--- a/Documentation/Sprint planning.pptx
+++ b/Documentation/Sprint planning.pptx
@@ -15739,6 +15739,45 @@
           </a:p>
         </p:txBody>
       </p:sp>
+      <p:sp>
+        <p:nvSpPr>
+          <p:cNvPr id="3" name="ZoneTexte 2">
+            <a:extLst>
+              <a:ext uri="{FF2B5EF4-FFF2-40B4-BE49-F238E27FC236}">
+                <a16:creationId xmlns:a16="http://schemas.microsoft.com/office/drawing/2014/main" id="{A6913FBB-E4E4-4A73-AE7B-6C01CF49263F}"/>
+              </a:ext>
+            </a:extLst>
+          </p:cNvPr>
+          <p:cNvSpPr txBox="1"/>
+          <p:nvPr/>
+        </p:nvSpPr>
+        <p:spPr>
+          <a:xfrm>
+            <a:off x="4625788" y="5656729"/>
+            <a:ext cx="3523130" cy="369332"/>
+          </a:xfrm>
+          <a:prstGeom prst="rect">
+            <a:avLst/>
+          </a:prstGeom>
+          <a:noFill/>
+        </p:spPr>
+        <p:txBody>
+          <a:bodyPr wrap="square" rtlCol="0">
+            <a:spAutoFit/>
+          </a:bodyPr>
+          <a:lstStyle/>
+          <a:p>
+            <a:r>
+              <a:rPr lang="fr-FR" dirty="0"/>
+              <a:t>A faire x2 car on est 2 dans l’</a:t>
+            </a:r>
+            <a:r>
+              <a:rPr lang="fr-FR"/>
+              <a:t>equipe</a:t>
+            </a:r>
+          </a:p>
+        </p:txBody>
+      </p:sp>
     </p:spTree>
     <p:extLst>
       <p:ext uri="{BB962C8B-B14F-4D97-AF65-F5344CB8AC3E}">

--- a/Documentation/Sprint planning.pptx
+++ b/Documentation/Sprint planning.pptx
@@ -12595,7 +12595,7 @@
           <a:p>
             <a:fld id="{D3C17AFF-A74C-44CF-98BC-1CBCD8327C83}" type="datetimeFigureOut">
               <a:rPr lang="fr-FR" smtClean="0"/>
-              <a:t>30/09/2022</a:t>
+              <a:t>07/10/2022</a:t>
             </a:fld>
             <a:endParaRPr lang="fr-FR"/>
           </a:p>
@@ -12793,7 +12793,7 @@
           <a:p>
             <a:fld id="{D3C17AFF-A74C-44CF-98BC-1CBCD8327C83}" type="datetimeFigureOut">
               <a:rPr lang="fr-FR" smtClean="0"/>
-              <a:t>30/09/2022</a:t>
+              <a:t>07/10/2022</a:t>
             </a:fld>
             <a:endParaRPr lang="fr-FR"/>
           </a:p>
@@ -13001,7 +13001,7 @@
           <a:p>
             <a:fld id="{D3C17AFF-A74C-44CF-98BC-1CBCD8327C83}" type="datetimeFigureOut">
               <a:rPr lang="fr-FR" smtClean="0"/>
-              <a:t>30/09/2022</a:t>
+              <a:t>07/10/2022</a:t>
             </a:fld>
             <a:endParaRPr lang="fr-FR"/>
           </a:p>
@@ -13199,7 +13199,7 @@
           <a:p>
             <a:fld id="{D3C17AFF-A74C-44CF-98BC-1CBCD8327C83}" type="datetimeFigureOut">
               <a:rPr lang="fr-FR" smtClean="0"/>
-              <a:t>30/09/2022</a:t>
+              <a:t>07/10/2022</a:t>
             </a:fld>
             <a:endParaRPr lang="fr-FR"/>
           </a:p>
@@ -13474,7 +13474,7 @@
           <a:p>
             <a:fld id="{D3C17AFF-A74C-44CF-98BC-1CBCD8327C83}" type="datetimeFigureOut">
               <a:rPr lang="fr-FR" smtClean="0"/>
-              <a:t>30/09/2022</a:t>
+              <a:t>07/10/2022</a:t>
             </a:fld>
             <a:endParaRPr lang="fr-FR"/>
           </a:p>
@@ -13739,7 +13739,7 @@
           <a:p>
             <a:fld id="{D3C17AFF-A74C-44CF-98BC-1CBCD8327C83}" type="datetimeFigureOut">
               <a:rPr lang="fr-FR" smtClean="0"/>
-              <a:t>30/09/2022</a:t>
+              <a:t>07/10/2022</a:t>
             </a:fld>
             <a:endParaRPr lang="fr-FR"/>
           </a:p>
@@ -14151,7 +14151,7 @@
           <a:p>
             <a:fld id="{D3C17AFF-A74C-44CF-98BC-1CBCD8327C83}" type="datetimeFigureOut">
               <a:rPr lang="fr-FR" smtClean="0"/>
-              <a:t>30/09/2022</a:t>
+              <a:t>07/10/2022</a:t>
             </a:fld>
             <a:endParaRPr lang="fr-FR"/>
           </a:p>
@@ -14292,7 +14292,7 @@
           <a:p>
             <a:fld id="{D3C17AFF-A74C-44CF-98BC-1CBCD8327C83}" type="datetimeFigureOut">
               <a:rPr lang="fr-FR" smtClean="0"/>
-              <a:t>30/09/2022</a:t>
+              <a:t>07/10/2022</a:t>
             </a:fld>
             <a:endParaRPr lang="fr-FR"/>
           </a:p>
@@ -14405,7 +14405,7 @@
           <a:p>
             <a:fld id="{D3C17AFF-A74C-44CF-98BC-1CBCD8327C83}" type="datetimeFigureOut">
               <a:rPr lang="fr-FR" smtClean="0"/>
-              <a:t>30/09/2022</a:t>
+              <a:t>07/10/2022</a:t>
             </a:fld>
             <a:endParaRPr lang="fr-FR"/>
           </a:p>
@@ -14716,7 +14716,7 @@
           <a:p>
             <a:fld id="{D3C17AFF-A74C-44CF-98BC-1CBCD8327C83}" type="datetimeFigureOut">
               <a:rPr lang="fr-FR" smtClean="0"/>
-              <a:t>30/09/2022</a:t>
+              <a:t>07/10/2022</a:t>
             </a:fld>
             <a:endParaRPr lang="fr-FR"/>
           </a:p>
@@ -15004,7 +15004,7 @@
           <a:p>
             <a:fld id="{D3C17AFF-A74C-44CF-98BC-1CBCD8327C83}" type="datetimeFigureOut">
               <a:rPr lang="fr-FR" smtClean="0"/>
-              <a:t>30/09/2022</a:t>
+              <a:t>07/10/2022</a:t>
             </a:fld>
             <a:endParaRPr lang="fr-FR"/>
           </a:p>
@@ -15245,7 +15245,7 @@
           <a:p>
             <a:fld id="{D3C17AFF-A74C-44CF-98BC-1CBCD8327C83}" type="datetimeFigureOut">
               <a:rPr lang="fr-FR" smtClean="0"/>
-              <a:t>30/09/2022</a:t>
+              <a:t>07/10/2022</a:t>
             </a:fld>
             <a:endParaRPr lang="fr-FR"/>
           </a:p>
@@ -15704,7 +15704,7 @@
         </p:nvSpPr>
         <p:spPr>
           <a:xfrm>
-            <a:off x="2761129" y="1192305"/>
+            <a:off x="4724399" y="1183341"/>
             <a:ext cx="340659" cy="340659"/>
           </a:xfrm>
           <a:prstGeom prst="ellipse">

--- a/Documentation/Sprint planning.pptx
+++ b/Documentation/Sprint planning.pptx
@@ -9,6 +9,7 @@
     <p:sldId id="257" r:id="rId3"/>
     <p:sldId id="258" r:id="rId4"/>
     <p:sldId id="259" r:id="rId5"/>
+    <p:sldId id="260" r:id="rId6"/>
   </p:sldIdLst>
   <p:sldSz cx="12192000" cy="6858000"/>
   <p:notesSz cx="6858000" cy="9144000"/>
@@ -3147,14 +3148,14 @@
       </dgm:t>
     </dgm:pt>
     <dgm:pt modelId="{7C623BB8-CCCC-49D1-9169-05A4535A32A8}">
-      <dgm:prSet phldrT="[Texte]"/>
+      <dgm:prSet phldrT="[Texte]" custT="1"/>
       <dgm:spPr/>
       <dgm:t>
         <a:bodyPr/>
         <a:lstStyle/>
         <a:p>
           <a:r>
-            <a:rPr lang="fr-FR" dirty="0"/>
+            <a:rPr lang="fr-FR" sz="2000" dirty="0"/>
             <a:t>Réflexion sur le diagramme de classe </a:t>
           </a:r>
         </a:p>
@@ -3219,21 +3220,16 @@
       </dgm:t>
     </dgm:pt>
     <dgm:pt modelId="{E22782C1-CDA4-4BFE-8E57-53915D06F3D7}">
-      <dgm:prSet phldrT="[Texte]"/>
+      <dgm:prSet phldrT="[Texte]" custT="1"/>
       <dgm:spPr/>
       <dgm:t>
         <a:bodyPr/>
         <a:lstStyle/>
         <a:p>
           <a:r>
-            <a:rPr lang="fr-FR" dirty="0"/>
-            <a:t>Mise en place de l’interface web et du collecteur </a:t>
+            <a:rPr lang="fr-FR" sz="2000" dirty="0"/>
+            <a:t>Mise en place de l’interface web et du collecteur SNMP</a:t>
           </a:r>
-          <a:r>
-            <a:rPr lang="fr-FR" dirty="0" err="1"/>
-            <a:t>snmp</a:t>
-          </a:r>
-          <a:endParaRPr lang="fr-FR" dirty="0"/>
         </a:p>
       </dgm:t>
     </dgm:pt>
@@ -3296,14 +3292,14 @@
       </dgm:t>
     </dgm:pt>
     <dgm:pt modelId="{C16F7833-4702-42DA-811F-01B490D4F42D}">
-      <dgm:prSet phldrT="[Texte]"/>
+      <dgm:prSet phldrT="[Texte]" custT="1"/>
       <dgm:spPr/>
       <dgm:t>
         <a:bodyPr/>
         <a:lstStyle/>
         <a:p>
           <a:r>
-            <a:rPr lang="fr-FR" dirty="0"/>
+            <a:rPr lang="fr-FR" sz="2000" dirty="0"/>
             <a:t>Mise en place de logs</a:t>
           </a:r>
         </a:p>
@@ -3368,14 +3364,14 @@
       </dgm:t>
     </dgm:pt>
     <dgm:pt modelId="{EDD74CC4-A9EB-4D18-A72B-6FA9A2E0F1FB}">
-      <dgm:prSet phldrT="[Texte]"/>
+      <dgm:prSet phldrT="[Texte]" custT="1"/>
       <dgm:spPr/>
       <dgm:t>
         <a:bodyPr/>
         <a:lstStyle/>
         <a:p>
           <a:r>
-            <a:rPr lang="fr-FR" dirty="0"/>
+            <a:rPr lang="fr-FR" sz="2000" dirty="0"/>
             <a:t>Tests de l’application et mise en prod</a:t>
           </a:r>
         </a:p>
@@ -3404,14 +3400,14 @@
       </dgm:t>
     </dgm:pt>
     <dgm:pt modelId="{1B88CF28-D267-40E0-AFEF-4A9ACD56F004}">
-      <dgm:prSet phldrT="[Texte]"/>
+      <dgm:prSet phldrT="[Texte]" custT="1"/>
       <dgm:spPr/>
       <dgm:t>
         <a:bodyPr/>
         <a:lstStyle/>
         <a:p>
           <a:r>
-            <a:rPr lang="fr-FR" dirty="0"/>
+            <a:rPr lang="fr-FR" sz="2000" dirty="0"/>
             <a:t>Durée : 4h</a:t>
           </a:r>
         </a:p>
@@ -3440,14 +3436,14 @@
       </dgm:t>
     </dgm:pt>
     <dgm:pt modelId="{121070B3-51DB-4879-A81B-3C2ADED9232C}">
-      <dgm:prSet phldrT="[Texte]"/>
+      <dgm:prSet phldrT="[Texte]" custT="1"/>
       <dgm:spPr/>
       <dgm:t>
         <a:bodyPr/>
         <a:lstStyle/>
         <a:p>
           <a:r>
-            <a:rPr lang="fr-FR" dirty="0"/>
+            <a:rPr lang="fr-FR" sz="2000" dirty="0"/>
             <a:t>Durée : 18h</a:t>
           </a:r>
         </a:p>
@@ -3476,14 +3472,14 @@
       </dgm:t>
     </dgm:pt>
     <dgm:pt modelId="{CB1A0008-78CA-4796-B421-D71994C5B29F}">
-      <dgm:prSet phldrT="[Texte]"/>
+      <dgm:prSet phldrT="[Texte]" custT="1"/>
       <dgm:spPr/>
       <dgm:t>
         <a:bodyPr/>
         <a:lstStyle/>
         <a:p>
           <a:r>
-            <a:rPr lang="fr-FR" dirty="0"/>
+            <a:rPr lang="fr-FR" sz="2000" dirty="0"/>
             <a:t>Durée : 6h</a:t>
           </a:r>
         </a:p>
@@ -3512,14 +3508,14 @@
       </dgm:t>
     </dgm:pt>
     <dgm:pt modelId="{245D39BA-A9AB-4B9B-899B-46896A7CAF3B}">
-      <dgm:prSet phldrT="[Texte]"/>
+      <dgm:prSet phldrT="[Texte]" custT="1"/>
       <dgm:spPr/>
       <dgm:t>
         <a:bodyPr/>
         <a:lstStyle/>
         <a:p>
           <a:r>
-            <a:rPr lang="fr-FR" dirty="0"/>
+            <a:rPr lang="fr-FR" sz="2000" dirty="0"/>
             <a:t>Durée : 4h</a:t>
           </a:r>
         </a:p>
@@ -3548,15 +3544,15 @@
       </dgm:t>
     </dgm:pt>
     <dgm:pt modelId="{E36C0BB4-ED1B-4E50-82A9-00105E37A3B2}">
-      <dgm:prSet phldrT="[Texte]"/>
+      <dgm:prSet phldrT="[Texte]" custT="1"/>
       <dgm:spPr/>
       <dgm:t>
         <a:bodyPr/>
         <a:lstStyle/>
         <a:p>
           <a:r>
-            <a:rPr lang="fr-FR" dirty="0"/>
-            <a:t>Sélections des techno</a:t>
+            <a:rPr lang="fr-FR" sz="2000" dirty="0"/>
+            <a:t>Sélections des technologies</a:t>
           </a:r>
         </a:p>
       </dgm:t>
@@ -3806,26 +3802,9 @@
         <a:lstStyle/>
         <a:p>
           <a:r>
-            <a:rPr lang="fr-FR" dirty="0" err="1"/>
-            <a:t>Recuperer</a:t>
+            <a:rPr lang="fr-FR" dirty="0"/>
+            <a:t>Récupérer les données via SNMP</a:t>
           </a:r>
-          <a:r>
-            <a:rPr lang="fr-FR" dirty="0"/>
-            <a:t> les </a:t>
-          </a:r>
-          <a:r>
-            <a:rPr lang="fr-FR" dirty="0" err="1"/>
-            <a:t>donnees</a:t>
-          </a:r>
-          <a:r>
-            <a:rPr lang="fr-FR" dirty="0"/>
-            <a:t> via </a:t>
-          </a:r>
-          <a:r>
-            <a:rPr lang="fr-FR" dirty="0" err="1"/>
-            <a:t>snmp</a:t>
-          </a:r>
-          <a:endParaRPr lang="fr-FR" dirty="0"/>
         </a:p>
       </dgm:t>
     </dgm:pt>
@@ -3860,15 +3839,7 @@
         <a:p>
           <a:r>
             <a:rPr lang="fr-FR" dirty="0"/>
-            <a:t>Envoyer ces </a:t>
-          </a:r>
-          <a:r>
-            <a:rPr lang="fr-FR" dirty="0" err="1"/>
-            <a:t>donnees</a:t>
-          </a:r>
-          <a:r>
-            <a:rPr lang="fr-FR" dirty="0"/>
-            <a:t> sur l’API</a:t>
+            <a:t>Envoyer ces données sur l’API</a:t>
           </a:r>
         </a:p>
       </dgm:t>
@@ -3940,29 +3911,8 @@
         <a:p>
           <a:r>
             <a:rPr lang="fr-FR" dirty="0"/>
-            <a:t>Sauvegarder les </a:t>
+            <a:t>Sauvegarder les données reçu en BDD</a:t>
           </a:r>
-          <a:r>
-            <a:rPr lang="fr-FR" dirty="0" err="1"/>
-            <a:t>donnees</a:t>
-          </a:r>
-          <a:r>
-            <a:rPr lang="fr-FR" dirty="0"/>
-            <a:t> </a:t>
-          </a:r>
-          <a:r>
-            <a:rPr lang="fr-FR" dirty="0" err="1"/>
-            <a:t>recu</a:t>
-          </a:r>
-          <a:r>
-            <a:rPr lang="fr-FR" dirty="0"/>
-            <a:t> en </a:t>
-          </a:r>
-          <a:r>
-            <a:rPr lang="fr-FR" dirty="0" err="1"/>
-            <a:t>bdd</a:t>
-          </a:r>
-          <a:endParaRPr lang="fr-FR" dirty="0"/>
         </a:p>
       </dgm:t>
     </dgm:pt>
@@ -4069,13 +4019,8 @@
         <a:p>
           <a:r>
             <a:rPr lang="fr-FR" dirty="0"/>
-            <a:t>Authentification des </a:t>
+            <a:t>Authentification des utilisateurs</a:t>
           </a:r>
-          <a:r>
-            <a:rPr lang="fr-FR" dirty="0" err="1"/>
-            <a:t>users</a:t>
-          </a:r>
-          <a:endParaRPr lang="fr-FR" dirty="0"/>
         </a:p>
       </dgm:t>
     </dgm:pt>
@@ -4110,13 +4055,8 @@
         <a:p>
           <a:r>
             <a:rPr lang="fr-FR" dirty="0"/>
-            <a:t>Lister les </a:t>
+            <a:t>Lister les équipements</a:t>
           </a:r>
-          <a:r>
-            <a:rPr lang="fr-FR" dirty="0" err="1"/>
-            <a:t>equipements</a:t>
-          </a:r>
-          <a:endParaRPr lang="fr-FR" dirty="0"/>
         </a:p>
       </dgm:t>
     </dgm:pt>
@@ -4151,13 +4091,8 @@
         <a:p>
           <a:r>
             <a:rPr lang="fr-FR" dirty="0"/>
-            <a:t>Interroger l’api pour lister les </a:t>
+            <a:t>Interroger l’api pour lister les équipements</a:t>
           </a:r>
-          <a:r>
-            <a:rPr lang="fr-FR" dirty="0" err="1"/>
-            <a:t>equipements</a:t>
-          </a:r>
-          <a:endParaRPr lang="fr-FR" dirty="0"/>
         </a:p>
       </dgm:t>
     </dgm:pt>
@@ -4192,13 +4127,8 @@
         <a:p>
           <a:r>
             <a:rPr lang="fr-FR" dirty="0"/>
-            <a:t>Configuration des équipements </a:t>
+            <a:t>Configuration des équipements réseaux</a:t>
           </a:r>
-          <a:r>
-            <a:rPr lang="fr-FR" dirty="0" err="1"/>
-            <a:t>reseaux</a:t>
-          </a:r>
-          <a:endParaRPr lang="fr-FR" dirty="0"/>
         </a:p>
       </dgm:t>
     </dgm:pt>
@@ -4449,23 +4379,7 @@
         <a:p>
           <a:r>
             <a:rPr lang="fr-FR" dirty="0"/>
-            <a:t>Affichage de log </a:t>
-          </a:r>
-          <a:r>
-            <a:rPr lang="fr-FR" dirty="0" err="1"/>
-            <a:t>dun</a:t>
-          </a:r>
-          <a:r>
-            <a:rPr lang="fr-FR" dirty="0"/>
-            <a:t> </a:t>
-          </a:r>
-          <a:r>
-            <a:rPr lang="fr-FR" dirty="0" err="1"/>
-            <a:t>equipement</a:t>
-          </a:r>
-          <a:r>
-            <a:rPr lang="fr-FR" dirty="0"/>
-            <a:t> cible</a:t>
+            <a:t>Affichage de log d’un équipement cible</a:t>
           </a:r>
         </a:p>
       </dgm:t>
@@ -4501,23 +4415,7 @@
         <a:p>
           <a:r>
             <a:rPr lang="fr-FR" dirty="0"/>
-            <a:t>Affichage des logs important de manière </a:t>
-          </a:r>
-          <a:r>
-            <a:rPr lang="fr-FR" dirty="0" err="1"/>
-            <a:t>specifique</a:t>
-          </a:r>
-          <a:r>
-            <a:rPr lang="fr-FR" dirty="0"/>
-            <a:t>(</a:t>
-          </a:r>
-          <a:r>
-            <a:rPr lang="fr-FR" dirty="0" err="1"/>
-            <a:t>equipement</a:t>
-          </a:r>
-          <a:r>
-            <a:rPr lang="fr-FR" dirty="0"/>
-            <a:t>)</a:t>
+            <a:t>Affichage des logs important de manière spécifique(équipement)</a:t>
           </a:r>
         </a:p>
       </dgm:t>
@@ -4588,20 +4486,8 @@
         <a:lstStyle/>
         <a:p>
           <a:r>
-            <a:rPr lang="fr-FR" dirty="0" err="1"/>
-            <a:t>Definition</a:t>
-          </a:r>
-          <a:r>
             <a:rPr lang="fr-FR" dirty="0"/>
-            <a:t> si tagguer le log en critique en fonction de seuil </a:t>
-          </a:r>
-          <a:r>
-            <a:rPr lang="fr-FR" dirty="0" err="1"/>
-            <a:t>defini</a:t>
-          </a:r>
-          <a:r>
-            <a:rPr lang="fr-FR" dirty="0"/>
-            <a:t> en configuration</a:t>
+            <a:t>Définition si tagguer le log en critique en fonction de seuil défini en configuration</a:t>
           </a:r>
         </a:p>
       </dgm:t>
@@ -4776,15 +4662,7 @@
         <a:p>
           <a:r>
             <a:rPr lang="fr-FR" dirty="0"/>
-            <a:t>Mise en place de tests applicatifs (</a:t>
-          </a:r>
-          <a:r>
-            <a:rPr lang="fr-FR" dirty="0" err="1"/>
-            <a:t>selenium</a:t>
-          </a:r>
-          <a:r>
-            <a:rPr lang="fr-FR" dirty="0"/>
-            <a:t>)</a:t>
+            <a:t>Mise en place de tests applicatifs (SELENIUM)</a:t>
           </a:r>
         </a:p>
       </dgm:t>
@@ -4801,39 +4679,6 @@
       </dgm:t>
     </dgm:pt>
     <dgm:pt modelId="{89CA6552-D8F6-46D1-A499-FD2782911F61}" type="sibTrans" cxnId="{3E406A4E-C24F-4FDB-927F-E0AFEA91A34C}">
-      <dgm:prSet/>
-      <dgm:spPr/>
-      <dgm:t>
-        <a:bodyPr/>
-        <a:lstStyle/>
-        <a:p>
-          <a:endParaRPr lang="fr-FR"/>
-        </a:p>
-      </dgm:t>
-    </dgm:pt>
-    <dgm:pt modelId="{2613BE7B-B44E-47B3-B6AF-1379C1E712F3}">
-      <dgm:prSet phldrT="[Texte]" phldr="1"/>
-      <dgm:spPr/>
-      <dgm:t>
-        <a:bodyPr/>
-        <a:lstStyle/>
-        <a:p>
-          <a:endParaRPr lang="fr-FR"/>
-        </a:p>
-      </dgm:t>
-    </dgm:pt>
-    <dgm:pt modelId="{ADA61E33-D694-4A33-90B4-CBB5EAC1E7BC}" type="parTrans" cxnId="{14829825-F375-44FE-A8E6-A40A933E2594}">
-      <dgm:prSet/>
-      <dgm:spPr/>
-      <dgm:t>
-        <a:bodyPr/>
-        <a:lstStyle/>
-        <a:p>
-          <a:endParaRPr lang="fr-FR"/>
-        </a:p>
-      </dgm:t>
-    </dgm:pt>
-    <dgm:pt modelId="{114D49F3-51C0-407F-A7D3-CCCB7EBE1B72}" type="sibTrans" cxnId="{14829825-F375-44FE-A8E6-A40A933E2594}">
       <dgm:prSet/>
       <dgm:spPr/>
       <dgm:t>
@@ -4966,15 +4811,7 @@
         <a:p>
           <a:r>
             <a:rPr lang="fr-FR" dirty="0"/>
-            <a:t>Tests d’affichage des </a:t>
-          </a:r>
-          <a:r>
-            <a:rPr lang="fr-FR" dirty="0" err="1"/>
-            <a:t>donnees</a:t>
-          </a:r>
-          <a:r>
-            <a:rPr lang="fr-FR" dirty="0"/>
-            <a:t>( </a:t>
+            <a:t>Tests d’affichage des données( </a:t>
           </a:r>
           <a:r>
             <a:rPr lang="fr-FR" dirty="0" err="1"/>
@@ -4982,13 +4819,8 @@
           </a:r>
           <a:r>
             <a:rPr lang="fr-FR" dirty="0"/>
-            <a:t>) en fonction de la base de </a:t>
+            <a:t>) en fonction de la base de donnée</a:t>
           </a:r>
-          <a:r>
-            <a:rPr lang="fr-FR" dirty="0" err="1"/>
-            <a:t>donnnee</a:t>
-          </a:r>
-          <a:endParaRPr lang="fr-FR" dirty="0"/>
         </a:p>
       </dgm:t>
     </dgm:pt>
@@ -5103,14 +4935,12 @@
     <dgm:cxn modelId="{30E0A300-376C-4718-8BB3-3D83AC57C447}" type="presOf" srcId="{91A4D610-91D6-458D-A397-D6AB2DDFD290}" destId="{084A4E8B-F273-4CB9-8776-0CE20F9CCF73}" srcOrd="0" destOrd="0" presId="urn:microsoft.com/office/officeart/2005/8/layout/hList1"/>
     <dgm:cxn modelId="{4F7C560F-A0FD-4AD8-B284-E62E0281296E}" type="presOf" srcId="{A1AC5286-86FD-4A07-A754-169AA54EF707}" destId="{F3E94100-8F4F-45D1-89CC-09D0EF0737E9}" srcOrd="0" destOrd="0" presId="urn:microsoft.com/office/officeart/2005/8/layout/hList1"/>
     <dgm:cxn modelId="{8A5F8C25-E7B8-4359-9894-259B5D10A981}" type="presOf" srcId="{BC49917A-F14F-41E8-AFCB-D238066BF82D}" destId="{A363B28E-7DAD-47AB-999A-75E6FF4E2E31}" srcOrd="0" destOrd="0" presId="urn:microsoft.com/office/officeart/2005/8/layout/hList1"/>
-    <dgm:cxn modelId="{14829825-F375-44FE-A8E6-A40A933E2594}" srcId="{BC49917A-F14F-41E8-AFCB-D238066BF82D}" destId="{2613BE7B-B44E-47B3-B6AF-1379C1E712F3}" srcOrd="1" destOrd="0" parTransId="{ADA61E33-D694-4A33-90B4-CBB5EAC1E7BC}" sibTransId="{114D49F3-51C0-407F-A7D3-CCCB7EBE1B72}"/>
     <dgm:cxn modelId="{50112E27-1CC8-469A-AB74-AC30C98108A7}" type="presOf" srcId="{0295A74D-FCE8-4230-AAA3-C3C2428B973D}" destId="{F6D574EE-3C6C-4E22-B2CA-D0DA586525F3}" srcOrd="0" destOrd="0" presId="urn:microsoft.com/office/officeart/2005/8/layout/hList1"/>
     <dgm:cxn modelId="{8ADD732B-4D83-41ED-A3A1-0906207CB0AF}" srcId="{20974FE7-865B-415C-BE39-38007E0E0A57}" destId="{1F451D88-FA26-44C8-9AAC-7DE1FCFA7FED}" srcOrd="1" destOrd="0" parTransId="{45CC11B7-5680-466D-8B1A-1DD249014128}" sibTransId="{64F475B8-176B-4632-9C06-2F0B1950BA31}"/>
     <dgm:cxn modelId="{AAEA133B-2480-4225-B992-6D6C12AAC007}" type="presOf" srcId="{977E1BB6-9639-46BA-9C22-D03BF45EA7DE}" destId="{D6B1B9BC-2DAA-4718-B4CB-F0B339A3825C}" srcOrd="0" destOrd="0" presId="urn:microsoft.com/office/officeart/2005/8/layout/hList1"/>
     <dgm:cxn modelId="{19C85C5E-2C2C-4114-8C2F-0872FD395393}" srcId="{0295A74D-FCE8-4230-AAA3-C3C2428B973D}" destId="{A1AC5286-86FD-4A07-A754-169AA54EF707}" srcOrd="0" destOrd="0" parTransId="{50C9B59D-C483-4290-9309-EE0390F2C204}" sibTransId="{50343BFC-A3A5-42F4-AA7D-BFAE6DCE07CE}"/>
     <dgm:cxn modelId="{3E406A4E-C24F-4FDB-927F-E0AFEA91A34C}" srcId="{BC49917A-F14F-41E8-AFCB-D238066BF82D}" destId="{977E1BB6-9639-46BA-9C22-D03BF45EA7DE}" srcOrd="0" destOrd="0" parTransId="{359A381E-2920-4574-AD0C-0CC752CE062A}" sibTransId="{89CA6552-D8F6-46D1-A499-FD2782911F61}"/>
     <dgm:cxn modelId="{EE81F27A-2FC4-4FE4-88B8-5697C4EEF77C}" type="presOf" srcId="{1F451D88-FA26-44C8-9AAC-7DE1FCFA7FED}" destId="{11BE895E-EA6E-49E0-9057-E723F64CC154}" srcOrd="0" destOrd="0" presId="urn:microsoft.com/office/officeart/2005/8/layout/hList1"/>
-    <dgm:cxn modelId="{8993787C-BD29-4C16-BAF6-D7528CCA74EC}" type="presOf" srcId="{2613BE7B-B44E-47B3-B6AF-1379C1E712F3}" destId="{D6B1B9BC-2DAA-4718-B4CB-F0B339A3825C}" srcOrd="0" destOrd="1" presId="urn:microsoft.com/office/officeart/2005/8/layout/hList1"/>
     <dgm:cxn modelId="{8209A780-84CB-4744-8232-399CA073B00B}" srcId="{20974FE7-865B-415C-BE39-38007E0E0A57}" destId="{BC49917A-F14F-41E8-AFCB-D238066BF82D}" srcOrd="0" destOrd="0" parTransId="{76DED000-C7DC-4AD2-878C-14033E5972D1}" sibTransId="{E5774205-88D1-459D-8334-BB53E069B058}"/>
     <dgm:cxn modelId="{F86D6FAC-27EB-4403-859A-8695272084C4}" srcId="{1F451D88-FA26-44C8-9AAC-7DE1FCFA7FED}" destId="{91A4D610-91D6-458D-A397-D6AB2DDFD290}" srcOrd="0" destOrd="0" parTransId="{2CC0AFCA-5FA4-41B5-AC02-ED6C166547E2}" sibTransId="{44632C2F-F64A-4125-80D7-3951063312DA}"/>
     <dgm:cxn modelId="{47106CC5-23F8-47B4-A18B-8E999B8A5C83}" type="presOf" srcId="{20974FE7-865B-415C-BE39-38007E0E0A57}" destId="{0F447BEA-90A2-48FE-831F-3836574BF677}" srcOrd="0" destOrd="0" presId="urn:microsoft.com/office/officeart/2005/8/layout/hList1"/>
@@ -5152,7 +4982,7 @@
       </dsp:nvSpPr>
       <dsp:spPr>
         <a:xfrm>
-          <a:off x="6500" y="974414"/>
+          <a:off x="6500" y="1319227"/>
           <a:ext cx="2190750" cy="876300"/>
         </a:xfrm>
         <a:prstGeom prst="chevron">
@@ -5195,12 +5025,12 @@
         </a:fontRef>
       </dsp:style>
       <dsp:txBody>
-        <a:bodyPr spcFirstLastPara="0" vert="horz" wrap="square" lIns="96012" tIns="32004" rIns="32004" bIns="32004" numCol="1" spcCol="1270" anchor="ctr" anchorCtr="0">
+        <a:bodyPr spcFirstLastPara="0" vert="horz" wrap="square" lIns="116015" tIns="38672" rIns="38672" bIns="38672" numCol="1" spcCol="1270" anchor="ctr" anchorCtr="0">
           <a:noAutofit/>
         </a:bodyPr>
         <a:lstStyle/>
         <a:p>
-          <a:pPr marL="0" lvl="0" indent="0" algn="ctr" defTabSz="1066800">
+          <a:pPr marL="0" lvl="0" indent="0" algn="ctr" defTabSz="1289050">
             <a:lnSpc>
               <a:spcPct val="90000"/>
             </a:lnSpc>
@@ -5213,13 +5043,13 @@
             <a:buNone/>
           </a:pPr>
           <a:r>
-            <a:rPr lang="fr-FR" sz="2400" kern="1200" dirty="0"/>
+            <a:rPr lang="fr-FR" sz="2900" kern="1200" dirty="0"/>
             <a:t>Sprint 0</a:t>
           </a:r>
         </a:p>
       </dsp:txBody>
       <dsp:txXfrm>
-        <a:off x="444650" y="974414"/>
+        <a:off x="444650" y="1319227"/>
         <a:ext cx="1314450" cy="876300"/>
       </dsp:txXfrm>
     </dsp:sp>
@@ -5230,8 +5060,8 @@
       </dsp:nvSpPr>
       <dsp:spPr>
         <a:xfrm>
-          <a:off x="6500" y="1960252"/>
-          <a:ext cx="1752600" cy="2484000"/>
+          <a:off x="6500" y="2305064"/>
+          <a:ext cx="1752600" cy="1794375"/>
         </a:xfrm>
         <a:prstGeom prst="rect">
           <a:avLst/>
@@ -5260,7 +5090,7 @@
         </a:bodyPr>
         <a:lstStyle/>
         <a:p>
-          <a:pPr marL="228600" lvl="1" indent="-228600" algn="l" defTabSz="1066800">
+          <a:pPr marL="228600" lvl="1" indent="-228600" algn="l" defTabSz="889000">
             <a:lnSpc>
               <a:spcPct val="90000"/>
             </a:lnSpc>
@@ -5273,12 +5103,12 @@
             <a:buChar char="•"/>
           </a:pPr>
           <a:r>
-            <a:rPr lang="fr-FR" sz="2400" kern="1200" dirty="0"/>
+            <a:rPr lang="fr-FR" sz="2000" kern="1200" dirty="0"/>
             <a:t>Réflexion sur le diagramme de classe </a:t>
           </a:r>
         </a:p>
         <a:p>
-          <a:pPr marL="228600" lvl="1" indent="-228600" algn="l" defTabSz="1066800">
+          <a:pPr marL="228600" lvl="1" indent="-228600" algn="l" defTabSz="889000">
             <a:lnSpc>
               <a:spcPct val="90000"/>
             </a:lnSpc>
@@ -5291,12 +5121,12 @@
             <a:buChar char="•"/>
           </a:pPr>
           <a:r>
-            <a:rPr lang="fr-FR" sz="2400" kern="1200" dirty="0"/>
-            <a:t>Sélections des techno</a:t>
+            <a:rPr lang="fr-FR" sz="2000" kern="1200" dirty="0"/>
+            <a:t>Sélections des technologies</a:t>
           </a:r>
         </a:p>
         <a:p>
-          <a:pPr marL="228600" lvl="1" indent="-228600" algn="l" defTabSz="1066800">
+          <a:pPr marL="228600" lvl="1" indent="-228600" algn="l" defTabSz="889000">
             <a:lnSpc>
               <a:spcPct val="90000"/>
             </a:lnSpc>
@@ -5309,14 +5139,14 @@
             <a:buChar char="•"/>
           </a:pPr>
           <a:r>
-            <a:rPr lang="fr-FR" sz="2400" kern="1200" dirty="0"/>
+            <a:rPr lang="fr-FR" sz="2000" kern="1200" dirty="0"/>
             <a:t>Durée : 4h</a:t>
           </a:r>
         </a:p>
       </dsp:txBody>
       <dsp:txXfrm>
-        <a:off x="6500" y="1960252"/>
-        <a:ext cx="1752600" cy="2484000"/>
+        <a:off x="6500" y="2305064"/>
+        <a:ext cx="1752600" cy="1794375"/>
       </dsp:txXfrm>
     </dsp:sp>
     <dsp:sp modelId="{5F146D93-FAAB-4CB2-91A0-27CD566831B9}">
@@ -5326,7 +5156,7 @@
       </dsp:nvSpPr>
       <dsp:spPr>
         <a:xfrm>
-          <a:off x="1981250" y="974414"/>
+          <a:off x="1981250" y="1319227"/>
           <a:ext cx="2190750" cy="876300"/>
         </a:xfrm>
         <a:prstGeom prst="chevron">
@@ -5369,12 +5199,12 @@
         </a:fontRef>
       </dsp:style>
       <dsp:txBody>
-        <a:bodyPr spcFirstLastPara="0" vert="horz" wrap="square" lIns="96012" tIns="32004" rIns="32004" bIns="32004" numCol="1" spcCol="1270" anchor="ctr" anchorCtr="0">
+        <a:bodyPr spcFirstLastPara="0" vert="horz" wrap="square" lIns="116015" tIns="38672" rIns="38672" bIns="38672" numCol="1" spcCol="1270" anchor="ctr" anchorCtr="0">
           <a:noAutofit/>
         </a:bodyPr>
         <a:lstStyle/>
         <a:p>
-          <a:pPr marL="0" lvl="0" indent="0" algn="ctr" defTabSz="1066800">
+          <a:pPr marL="0" lvl="0" indent="0" algn="ctr" defTabSz="1289050">
             <a:lnSpc>
               <a:spcPct val="90000"/>
             </a:lnSpc>
@@ -5387,13 +5217,13 @@
             <a:buNone/>
           </a:pPr>
           <a:r>
-            <a:rPr lang="fr-FR" sz="2400" kern="1200" dirty="0"/>
+            <a:rPr lang="fr-FR" sz="2900" kern="1200" dirty="0"/>
             <a:t>Sprint 1</a:t>
           </a:r>
         </a:p>
       </dsp:txBody>
       <dsp:txXfrm>
-        <a:off x="2419400" y="974414"/>
+        <a:off x="2419400" y="1319227"/>
         <a:ext cx="1314450" cy="876300"/>
       </dsp:txXfrm>
     </dsp:sp>
@@ -5404,8 +5234,8 @@
       </dsp:nvSpPr>
       <dsp:spPr>
         <a:xfrm>
-          <a:off x="1981250" y="1960252"/>
-          <a:ext cx="1752600" cy="2484000"/>
+          <a:off x="1981250" y="2305064"/>
+          <a:ext cx="1752600" cy="1794375"/>
         </a:xfrm>
         <a:prstGeom prst="rect">
           <a:avLst/>
@@ -5434,7 +5264,7 @@
         </a:bodyPr>
         <a:lstStyle/>
         <a:p>
-          <a:pPr marL="228600" lvl="1" indent="-228600" algn="l" defTabSz="1066800">
+          <a:pPr marL="228600" lvl="1" indent="-228600" algn="l" defTabSz="889000">
             <a:lnSpc>
               <a:spcPct val="90000"/>
             </a:lnSpc>
@@ -5447,17 +5277,12 @@
             <a:buChar char="•"/>
           </a:pPr>
           <a:r>
-            <a:rPr lang="fr-FR" sz="2400" kern="1200" dirty="0"/>
-            <a:t>Mise en place de l’interface web et du collecteur </a:t>
+            <a:rPr lang="fr-FR" sz="2000" kern="1200" dirty="0"/>
+            <a:t>Mise en place de l’interface web et du collecteur SNMP</a:t>
           </a:r>
-          <a:r>
-            <a:rPr lang="fr-FR" sz="2400" kern="1200" dirty="0" err="1"/>
-            <a:t>snmp</a:t>
-          </a:r>
-          <a:endParaRPr lang="fr-FR" sz="2400" kern="1200" dirty="0"/>
         </a:p>
         <a:p>
-          <a:pPr marL="228600" lvl="1" indent="-228600" algn="l" defTabSz="1066800">
+          <a:pPr marL="228600" lvl="1" indent="-228600" algn="l" defTabSz="889000">
             <a:lnSpc>
               <a:spcPct val="90000"/>
             </a:lnSpc>
@@ -5470,14 +5295,14 @@
             <a:buChar char="•"/>
           </a:pPr>
           <a:r>
-            <a:rPr lang="fr-FR" sz="2400" kern="1200" dirty="0"/>
+            <a:rPr lang="fr-FR" sz="2000" kern="1200" dirty="0"/>
             <a:t>Durée : 18h</a:t>
           </a:r>
         </a:p>
       </dsp:txBody>
       <dsp:txXfrm>
-        <a:off x="1981250" y="1960252"/>
-        <a:ext cx="1752600" cy="2484000"/>
+        <a:off x="1981250" y="2305064"/>
+        <a:ext cx="1752600" cy="1794375"/>
       </dsp:txXfrm>
     </dsp:sp>
     <dsp:sp modelId="{C1EA846A-76C8-428B-9CC8-844F23A42A84}">
@@ -5487,7 +5312,7 @@
       </dsp:nvSpPr>
       <dsp:spPr>
         <a:xfrm>
-          <a:off x="3956000" y="974414"/>
+          <a:off x="3956000" y="1319227"/>
           <a:ext cx="2190750" cy="876300"/>
         </a:xfrm>
         <a:prstGeom prst="chevron">
@@ -5530,12 +5355,12 @@
         </a:fontRef>
       </dsp:style>
       <dsp:txBody>
-        <a:bodyPr spcFirstLastPara="0" vert="horz" wrap="square" lIns="96012" tIns="32004" rIns="32004" bIns="32004" numCol="1" spcCol="1270" anchor="ctr" anchorCtr="0">
+        <a:bodyPr spcFirstLastPara="0" vert="horz" wrap="square" lIns="116015" tIns="38672" rIns="38672" bIns="38672" numCol="1" spcCol="1270" anchor="ctr" anchorCtr="0">
           <a:noAutofit/>
         </a:bodyPr>
         <a:lstStyle/>
         <a:p>
-          <a:pPr marL="0" lvl="0" indent="0" algn="ctr" defTabSz="1066800">
+          <a:pPr marL="0" lvl="0" indent="0" algn="ctr" defTabSz="1289050">
             <a:lnSpc>
               <a:spcPct val="90000"/>
             </a:lnSpc>
@@ -5548,13 +5373,13 @@
             <a:buNone/>
           </a:pPr>
           <a:r>
-            <a:rPr lang="fr-FR" sz="2400" kern="1200" dirty="0"/>
+            <a:rPr lang="fr-FR" sz="2900" kern="1200" dirty="0"/>
             <a:t>Sprint 2</a:t>
           </a:r>
         </a:p>
       </dsp:txBody>
       <dsp:txXfrm>
-        <a:off x="4394150" y="974414"/>
+        <a:off x="4394150" y="1319227"/>
         <a:ext cx="1314450" cy="876300"/>
       </dsp:txXfrm>
     </dsp:sp>
@@ -5565,8 +5390,8 @@
       </dsp:nvSpPr>
       <dsp:spPr>
         <a:xfrm>
-          <a:off x="3956000" y="1960252"/>
-          <a:ext cx="1752600" cy="2484000"/>
+          <a:off x="3956000" y="2305064"/>
+          <a:ext cx="1752600" cy="1794375"/>
         </a:xfrm>
         <a:prstGeom prst="rect">
           <a:avLst/>
@@ -5595,7 +5420,7 @@
         </a:bodyPr>
         <a:lstStyle/>
         <a:p>
-          <a:pPr marL="228600" lvl="1" indent="-228600" algn="l" defTabSz="1066800">
+          <a:pPr marL="228600" lvl="1" indent="-228600" algn="l" defTabSz="889000">
             <a:lnSpc>
               <a:spcPct val="90000"/>
             </a:lnSpc>
@@ -5608,12 +5433,12 @@
             <a:buChar char="•"/>
           </a:pPr>
           <a:r>
-            <a:rPr lang="fr-FR" sz="2400" kern="1200" dirty="0"/>
+            <a:rPr lang="fr-FR" sz="2000" kern="1200" dirty="0"/>
             <a:t>Mise en place de logs</a:t>
           </a:r>
         </a:p>
         <a:p>
-          <a:pPr marL="228600" lvl="1" indent="-228600" algn="l" defTabSz="1066800">
+          <a:pPr marL="228600" lvl="1" indent="-228600" algn="l" defTabSz="889000">
             <a:lnSpc>
               <a:spcPct val="90000"/>
             </a:lnSpc>
@@ -5626,14 +5451,14 @@
             <a:buChar char="•"/>
           </a:pPr>
           <a:r>
-            <a:rPr lang="fr-FR" sz="2400" kern="1200" dirty="0"/>
+            <a:rPr lang="fr-FR" sz="2000" kern="1200" dirty="0"/>
             <a:t>Durée : 6h</a:t>
           </a:r>
         </a:p>
       </dsp:txBody>
       <dsp:txXfrm>
-        <a:off x="3956000" y="1960252"/>
-        <a:ext cx="1752600" cy="2484000"/>
+        <a:off x="3956000" y="2305064"/>
+        <a:ext cx="1752600" cy="1794375"/>
       </dsp:txXfrm>
     </dsp:sp>
     <dsp:sp modelId="{AA42A74A-1B27-4B57-8659-F7AFC8833504}">
@@ -5643,7 +5468,7 @@
       </dsp:nvSpPr>
       <dsp:spPr>
         <a:xfrm>
-          <a:off x="5930749" y="974414"/>
+          <a:off x="5930749" y="1319227"/>
           <a:ext cx="2190750" cy="876300"/>
         </a:xfrm>
         <a:prstGeom prst="chevron">
@@ -5686,12 +5511,12 @@
         </a:fontRef>
       </dsp:style>
       <dsp:txBody>
-        <a:bodyPr spcFirstLastPara="0" vert="horz" wrap="square" lIns="96012" tIns="32004" rIns="32004" bIns="32004" numCol="1" spcCol="1270" anchor="ctr" anchorCtr="0">
+        <a:bodyPr spcFirstLastPara="0" vert="horz" wrap="square" lIns="116015" tIns="38672" rIns="38672" bIns="38672" numCol="1" spcCol="1270" anchor="ctr" anchorCtr="0">
           <a:noAutofit/>
         </a:bodyPr>
         <a:lstStyle/>
         <a:p>
-          <a:pPr marL="0" lvl="0" indent="0" algn="ctr" defTabSz="1066800">
+          <a:pPr marL="0" lvl="0" indent="0" algn="ctr" defTabSz="1289050">
             <a:lnSpc>
               <a:spcPct val="90000"/>
             </a:lnSpc>
@@ -5704,13 +5529,13 @@
             <a:buNone/>
           </a:pPr>
           <a:r>
-            <a:rPr lang="fr-FR" sz="2400" kern="1200" dirty="0"/>
+            <a:rPr lang="fr-FR" sz="2900" kern="1200" dirty="0"/>
             <a:t>Sprint 3</a:t>
           </a:r>
         </a:p>
       </dsp:txBody>
       <dsp:txXfrm>
-        <a:off x="6368899" y="974414"/>
+        <a:off x="6368899" y="1319227"/>
         <a:ext cx="1314450" cy="876300"/>
       </dsp:txXfrm>
     </dsp:sp>
@@ -5721,8 +5546,8 @@
       </dsp:nvSpPr>
       <dsp:spPr>
         <a:xfrm>
-          <a:off x="5930749" y="1960252"/>
-          <a:ext cx="1752600" cy="2484000"/>
+          <a:off x="5930749" y="2305064"/>
+          <a:ext cx="1752600" cy="1794375"/>
         </a:xfrm>
         <a:prstGeom prst="rect">
           <a:avLst/>
@@ -5751,7 +5576,7 @@
         </a:bodyPr>
         <a:lstStyle/>
         <a:p>
-          <a:pPr marL="228600" lvl="1" indent="-228600" algn="l" defTabSz="1066800">
+          <a:pPr marL="228600" lvl="1" indent="-228600" algn="l" defTabSz="889000">
             <a:lnSpc>
               <a:spcPct val="90000"/>
             </a:lnSpc>
@@ -5764,12 +5589,12 @@
             <a:buChar char="•"/>
           </a:pPr>
           <a:r>
-            <a:rPr lang="fr-FR" sz="2400" kern="1200" dirty="0"/>
+            <a:rPr lang="fr-FR" sz="2000" kern="1200" dirty="0"/>
             <a:t>Tests de l’application et mise en prod</a:t>
           </a:r>
         </a:p>
         <a:p>
-          <a:pPr marL="228600" lvl="1" indent="-228600" algn="l" defTabSz="1066800">
+          <a:pPr marL="228600" lvl="1" indent="-228600" algn="l" defTabSz="889000">
             <a:lnSpc>
               <a:spcPct val="90000"/>
             </a:lnSpc>
@@ -5782,14 +5607,14 @@
             <a:buChar char="•"/>
           </a:pPr>
           <a:r>
-            <a:rPr lang="fr-FR" sz="2400" kern="1200" dirty="0"/>
+            <a:rPr lang="fr-FR" sz="2000" kern="1200" dirty="0"/>
             <a:t>Durée : 4h</a:t>
           </a:r>
         </a:p>
       </dsp:txBody>
       <dsp:txXfrm>
-        <a:off x="5930749" y="1960252"/>
-        <a:ext cx="1752600" cy="2484000"/>
+        <a:off x="5930749" y="2305064"/>
+        <a:ext cx="1752600" cy="1794375"/>
       </dsp:txXfrm>
     </dsp:sp>
   </dsp:spTree>
@@ -5952,51 +5777,8 @@
             <a:buChar char="•"/>
           </a:pPr>
           <a:r>
-            <a:rPr lang="fr-FR" sz="2300" kern="1200" dirty="0" err="1"/>
-            <a:t>Recuperer</a:t>
-          </a:r>
-          <a:r>
             <a:rPr lang="fr-FR" sz="2300" kern="1200" dirty="0"/>
-            <a:t> les </a:t>
-          </a:r>
-          <a:r>
-            <a:rPr lang="fr-FR" sz="2300" kern="1200" dirty="0" err="1"/>
-            <a:t>donnees</a:t>
-          </a:r>
-          <a:r>
-            <a:rPr lang="fr-FR" sz="2300" kern="1200" dirty="0"/>
-            <a:t> via </a:t>
-          </a:r>
-          <a:r>
-            <a:rPr lang="fr-FR" sz="2300" kern="1200" dirty="0" err="1"/>
-            <a:t>snmp</a:t>
-          </a:r>
-          <a:endParaRPr lang="fr-FR" sz="2300" kern="1200" dirty="0"/>
-        </a:p>
-        <a:p>
-          <a:pPr marL="228600" lvl="1" indent="-228600" algn="l" defTabSz="1022350">
-            <a:lnSpc>
-              <a:spcPct val="90000"/>
-            </a:lnSpc>
-            <a:spcBef>
-              <a:spcPct val="0"/>
-            </a:spcBef>
-            <a:spcAft>
-              <a:spcPct val="15000"/>
-            </a:spcAft>
-            <a:buChar char="•"/>
-          </a:pPr>
-          <a:r>
-            <a:rPr lang="fr-FR" sz="2300" kern="1200" dirty="0"/>
-            <a:t>Envoyer ces </a:t>
-          </a:r>
-          <a:r>
-            <a:rPr lang="fr-FR" sz="2300" kern="1200" dirty="0" err="1"/>
-            <a:t>donnees</a:t>
-          </a:r>
-          <a:r>
-            <a:rPr lang="fr-FR" sz="2300" kern="1200" dirty="0"/>
-            <a:t> sur l’API</a:t>
+            <a:t>Récupérer les données via SNMP</a:t>
           </a:r>
         </a:p>
         <a:p>
@@ -6014,13 +5796,26 @@
           </a:pPr>
           <a:r>
             <a:rPr lang="fr-FR" sz="2300" kern="1200" dirty="0"/>
-            <a:t>Interroger l’api pour lister les </a:t>
+            <a:t>Envoyer ces données sur l’API</a:t>
           </a:r>
+        </a:p>
+        <a:p>
+          <a:pPr marL="228600" lvl="1" indent="-228600" algn="l" defTabSz="1022350">
+            <a:lnSpc>
+              <a:spcPct val="90000"/>
+            </a:lnSpc>
+            <a:spcBef>
+              <a:spcPct val="0"/>
+            </a:spcBef>
+            <a:spcAft>
+              <a:spcPct val="15000"/>
+            </a:spcAft>
+            <a:buChar char="•"/>
+          </a:pPr>
           <a:r>
-            <a:rPr lang="fr-FR" sz="2300" kern="1200" dirty="0" err="1"/>
-            <a:t>equipements</a:t>
+            <a:rPr lang="fr-FR" sz="2300" kern="1200" dirty="0"/>
+            <a:t>Interroger l’api pour lister les équipements</a:t>
           </a:r>
-          <a:endParaRPr lang="fr-FR" sz="2300" kern="1200" dirty="0"/>
         </a:p>
       </dsp:txBody>
       <dsp:txXfrm>
@@ -6177,29 +5972,8 @@
           </a:pPr>
           <a:r>
             <a:rPr lang="fr-FR" sz="2300" kern="1200" dirty="0"/>
-            <a:t>Sauvegarder les </a:t>
+            <a:t>Sauvegarder les données reçu en BDD</a:t>
           </a:r>
-          <a:r>
-            <a:rPr lang="fr-FR" sz="2300" kern="1200" dirty="0" err="1"/>
-            <a:t>donnees</a:t>
-          </a:r>
-          <a:r>
-            <a:rPr lang="fr-FR" sz="2300" kern="1200" dirty="0"/>
-            <a:t> </a:t>
-          </a:r>
-          <a:r>
-            <a:rPr lang="fr-FR" sz="2300" kern="1200" dirty="0" err="1"/>
-            <a:t>recu</a:t>
-          </a:r>
-          <a:r>
-            <a:rPr lang="fr-FR" sz="2300" kern="1200" dirty="0"/>
-            <a:t> en </a:t>
-          </a:r>
-          <a:r>
-            <a:rPr lang="fr-FR" sz="2300" kern="1200" dirty="0" err="1"/>
-            <a:t>bdd</a:t>
-          </a:r>
-          <a:endParaRPr lang="fr-FR" sz="2300" kern="1200" dirty="0"/>
         </a:p>
         <a:p>
           <a:pPr marL="228600" lvl="1" indent="-228600" algn="l" defTabSz="1022350">
@@ -6216,13 +5990,8 @@
           </a:pPr>
           <a:r>
             <a:rPr lang="fr-FR" sz="2300" kern="1200" dirty="0"/>
-            <a:t>Lister les </a:t>
+            <a:t>Lister les équipements</a:t>
           </a:r>
-          <a:r>
-            <a:rPr lang="fr-FR" sz="2300" kern="1200" dirty="0" err="1"/>
-            <a:t>equipements</a:t>
-          </a:r>
-          <a:endParaRPr lang="fr-FR" sz="2300" kern="1200" dirty="0"/>
         </a:p>
       </dsp:txBody>
       <dsp:txXfrm>
@@ -6397,13 +6166,8 @@
           </a:pPr>
           <a:r>
             <a:rPr lang="fr-FR" sz="2300" kern="1200" dirty="0"/>
-            <a:t>Authentification des </a:t>
+            <a:t>Authentification des utilisateurs</a:t>
           </a:r>
-          <a:r>
-            <a:rPr lang="fr-FR" sz="2300" kern="1200" dirty="0" err="1"/>
-            <a:t>users</a:t>
-          </a:r>
-          <a:endParaRPr lang="fr-FR" sz="2300" kern="1200" dirty="0"/>
         </a:p>
         <a:p>
           <a:pPr marL="228600" lvl="1" indent="-228600" algn="l" defTabSz="1022350">
@@ -6420,13 +6184,8 @@
           </a:pPr>
           <a:r>
             <a:rPr lang="fr-FR" sz="2300" kern="1200" dirty="0"/>
-            <a:t>Configuration des équipements </a:t>
+            <a:t>Configuration des équipements réseaux</a:t>
           </a:r>
-          <a:r>
-            <a:rPr lang="fr-FR" sz="2300" kern="1200" dirty="0" err="1"/>
-            <a:t>reseaux</a:t>
-          </a:r>
-          <a:endParaRPr lang="fr-FR" sz="2300" kern="1200" dirty="0"/>
         </a:p>
         <a:p>
           <a:pPr marL="228600" lvl="1" indent="-228600" algn="l" defTabSz="1022350">
@@ -6610,23 +6369,7 @@
           </a:pPr>
           <a:r>
             <a:rPr lang="fr-FR" sz="2600" kern="1200" dirty="0"/>
-            <a:t>Affichage de log </a:t>
-          </a:r>
-          <a:r>
-            <a:rPr lang="fr-FR" sz="2600" kern="1200" dirty="0" err="1"/>
-            <a:t>dun</a:t>
-          </a:r>
-          <a:r>
-            <a:rPr lang="fr-FR" sz="2600" kern="1200" dirty="0"/>
-            <a:t> </a:t>
-          </a:r>
-          <a:r>
-            <a:rPr lang="fr-FR" sz="2600" kern="1200" dirty="0" err="1"/>
-            <a:t>equipement</a:t>
-          </a:r>
-          <a:r>
-            <a:rPr lang="fr-FR" sz="2600" kern="1200" dirty="0"/>
-            <a:t> cible</a:t>
+            <a:t>Affichage de log d’un équipement cible</a:t>
           </a:r>
         </a:p>
         <a:p>
@@ -6644,23 +6387,7 @@
           </a:pPr>
           <a:r>
             <a:rPr lang="fr-FR" sz="2600" kern="1200" dirty="0"/>
-            <a:t>Affichage des logs important de manière </a:t>
-          </a:r>
-          <a:r>
-            <a:rPr lang="fr-FR" sz="2600" kern="1200" dirty="0" err="1"/>
-            <a:t>specifique</a:t>
-          </a:r>
-          <a:r>
-            <a:rPr lang="fr-FR" sz="2600" kern="1200" dirty="0"/>
-            <a:t>(</a:t>
-          </a:r>
-          <a:r>
-            <a:rPr lang="fr-FR" sz="2600" kern="1200" dirty="0" err="1"/>
-            <a:t>equipement</a:t>
-          </a:r>
-          <a:r>
-            <a:rPr lang="fr-FR" sz="2600" kern="1200" dirty="0"/>
-            <a:t>)</a:t>
+            <a:t>Affichage des logs important de manière spécifique(équipement)</a:t>
           </a:r>
         </a:p>
       </dsp:txBody>
@@ -6817,20 +6544,8 @@
             <a:buChar char="•"/>
           </a:pPr>
           <a:r>
-            <a:rPr lang="fr-FR" sz="2600" kern="1200" dirty="0" err="1"/>
-            <a:t>Definition</a:t>
-          </a:r>
-          <a:r>
             <a:rPr lang="fr-FR" sz="2600" kern="1200" dirty="0"/>
-            <a:t> si tagguer le log en critique en fonction de seuil </a:t>
-          </a:r>
-          <a:r>
-            <a:rPr lang="fr-FR" sz="2600" kern="1200" dirty="0" err="1"/>
-            <a:t>defini</a:t>
-          </a:r>
-          <a:r>
-            <a:rPr lang="fr-FR" sz="2600" kern="1200" dirty="0"/>
-            <a:t> en configuration</a:t>
+            <a:t>Définition si tagguer le log en critique en fonction de seuil défini en configuration</a:t>
           </a:r>
         </a:p>
       </dsp:txBody>
@@ -6858,7 +6573,7 @@
       </dsp:nvSpPr>
       <dsp:spPr>
         <a:xfrm>
-          <a:off x="2540" y="450867"/>
+          <a:off x="2540" y="470769"/>
           <a:ext cx="2476500" cy="835200"/>
         </a:xfrm>
         <a:prstGeom prst="rect">
@@ -6925,7 +6640,7 @@
         </a:p>
       </dsp:txBody>
       <dsp:txXfrm>
-        <a:off x="2540" y="450867"/>
+        <a:off x="2540" y="470769"/>
         <a:ext cx="2476500" cy="835200"/>
       </dsp:txXfrm>
     </dsp:sp>
@@ -6936,8 +6651,8 @@
       </dsp:nvSpPr>
       <dsp:spPr>
         <a:xfrm>
-          <a:off x="2540" y="1286067"/>
-          <a:ext cx="2476500" cy="3681731"/>
+          <a:off x="2540" y="1305969"/>
+          <a:ext cx="2476500" cy="3641928"/>
         </a:xfrm>
         <a:prstGeom prst="rect">
           <a:avLst/>
@@ -7000,36 +6715,13 @@
           </a:pPr>
           <a:r>
             <a:rPr lang="fr-FR" sz="2900" kern="1200" dirty="0"/>
-            <a:t>Mise en place de tests applicatifs (</a:t>
+            <a:t>Mise en place de tests applicatifs (SELENIUM)</a:t>
           </a:r>
-          <a:r>
-            <a:rPr lang="fr-FR" sz="2900" kern="1200" dirty="0" err="1"/>
-            <a:t>selenium</a:t>
-          </a:r>
-          <a:r>
-            <a:rPr lang="fr-FR" sz="2900" kern="1200" dirty="0"/>
-            <a:t>)</a:t>
-          </a:r>
-        </a:p>
-        <a:p>
-          <a:pPr marL="285750" lvl="1" indent="-285750" algn="l" defTabSz="1289050">
-            <a:lnSpc>
-              <a:spcPct val="90000"/>
-            </a:lnSpc>
-            <a:spcBef>
-              <a:spcPct val="0"/>
-            </a:spcBef>
-            <a:spcAft>
-              <a:spcPct val="15000"/>
-            </a:spcAft>
-            <a:buChar char="•"/>
-          </a:pPr>
-          <a:endParaRPr lang="fr-FR" sz="2900" kern="1200"/>
         </a:p>
       </dsp:txBody>
       <dsp:txXfrm>
-        <a:off x="2540" y="1286067"/>
-        <a:ext cx="2476500" cy="3681731"/>
+        <a:off x="2540" y="1305969"/>
+        <a:ext cx="2476500" cy="3641928"/>
       </dsp:txXfrm>
     </dsp:sp>
     <dsp:sp modelId="{11BE895E-EA6E-49E0-9057-E723F64CC154}">
@@ -7039,7 +6731,7 @@
       </dsp:nvSpPr>
       <dsp:spPr>
         <a:xfrm>
-          <a:off x="2825750" y="450867"/>
+          <a:off x="2825750" y="470769"/>
           <a:ext cx="2476500" cy="835200"/>
         </a:xfrm>
         <a:prstGeom prst="rect">
@@ -7106,7 +6798,7 @@
         </a:p>
       </dsp:txBody>
       <dsp:txXfrm>
-        <a:off x="2825750" y="450867"/>
+        <a:off x="2825750" y="470769"/>
         <a:ext cx="2476500" cy="835200"/>
       </dsp:txXfrm>
     </dsp:sp>
@@ -7117,8 +6809,8 @@
       </dsp:nvSpPr>
       <dsp:spPr>
         <a:xfrm>
-          <a:off x="2825750" y="1286067"/>
-          <a:ext cx="2476500" cy="3681731"/>
+          <a:off x="2825750" y="1305969"/>
+          <a:ext cx="2476500" cy="3641928"/>
         </a:xfrm>
         <a:prstGeom prst="rect">
           <a:avLst/>
@@ -7191,8 +6883,8 @@
         </a:p>
       </dsp:txBody>
       <dsp:txXfrm>
-        <a:off x="2825750" y="1286067"/>
-        <a:ext cx="2476500" cy="3681731"/>
+        <a:off x="2825750" y="1305969"/>
+        <a:ext cx="2476500" cy="3641928"/>
       </dsp:txXfrm>
     </dsp:sp>
     <dsp:sp modelId="{F6D574EE-3C6C-4E22-B2CA-D0DA586525F3}">
@@ -7202,7 +6894,7 @@
       </dsp:nvSpPr>
       <dsp:spPr>
         <a:xfrm>
-          <a:off x="5648960" y="450867"/>
+          <a:off x="5648960" y="470769"/>
           <a:ext cx="2476500" cy="835200"/>
         </a:xfrm>
         <a:prstGeom prst="rect">
@@ -7269,7 +6961,7 @@
         </a:p>
       </dsp:txBody>
       <dsp:txXfrm>
-        <a:off x="5648960" y="450867"/>
+        <a:off x="5648960" y="470769"/>
         <a:ext cx="2476500" cy="835200"/>
       </dsp:txXfrm>
     </dsp:sp>
@@ -7280,8 +6972,8 @@
       </dsp:nvSpPr>
       <dsp:spPr>
         <a:xfrm>
-          <a:off x="5648960" y="1286067"/>
-          <a:ext cx="2476500" cy="3681731"/>
+          <a:off x="5648960" y="1305969"/>
+          <a:ext cx="2476500" cy="3641928"/>
         </a:xfrm>
         <a:prstGeom prst="rect">
           <a:avLst/>
@@ -7344,15 +7036,7 @@
           </a:pPr>
           <a:r>
             <a:rPr lang="fr-FR" sz="2900" kern="1200" dirty="0"/>
-            <a:t>Tests d’affichage des </a:t>
-          </a:r>
-          <a:r>
-            <a:rPr lang="fr-FR" sz="2900" kern="1200" dirty="0" err="1"/>
-            <a:t>donnees</a:t>
-          </a:r>
-          <a:r>
-            <a:rPr lang="fr-FR" sz="2900" kern="1200" dirty="0"/>
-            <a:t>( </a:t>
+            <a:t>Tests d’affichage des données( </a:t>
           </a:r>
           <a:r>
             <a:rPr lang="fr-FR" sz="2900" kern="1200" dirty="0" err="1"/>
@@ -7360,18 +7044,13 @@
           </a:r>
           <a:r>
             <a:rPr lang="fr-FR" sz="2900" kern="1200" dirty="0"/>
-            <a:t>) en fonction de la base de </a:t>
+            <a:t>) en fonction de la base de donnée</a:t>
           </a:r>
-          <a:r>
-            <a:rPr lang="fr-FR" sz="2900" kern="1200" dirty="0" err="1"/>
-            <a:t>donnnee</a:t>
-          </a:r>
-          <a:endParaRPr lang="fr-FR" sz="2900" kern="1200" dirty="0"/>
         </a:p>
       </dsp:txBody>
       <dsp:txXfrm>
-        <a:off x="5648960" y="1286067"/>
-        <a:ext cx="2476500" cy="3681731"/>
+        <a:off x="5648960" y="1305969"/>
+        <a:ext cx="2476500" cy="3641928"/>
       </dsp:txXfrm>
     </dsp:sp>
   </dsp:spTree>
@@ -12595,7 +12274,7 @@
           <a:p>
             <a:fld id="{D3C17AFF-A74C-44CF-98BC-1CBCD8327C83}" type="datetimeFigureOut">
               <a:rPr lang="fr-FR" smtClean="0"/>
-              <a:t>07/10/2022</a:t>
+              <a:t>14/10/2022</a:t>
             </a:fld>
             <a:endParaRPr lang="fr-FR"/>
           </a:p>
@@ -12793,7 +12472,7 @@
           <a:p>
             <a:fld id="{D3C17AFF-A74C-44CF-98BC-1CBCD8327C83}" type="datetimeFigureOut">
               <a:rPr lang="fr-FR" smtClean="0"/>
-              <a:t>07/10/2022</a:t>
+              <a:t>14/10/2022</a:t>
             </a:fld>
             <a:endParaRPr lang="fr-FR"/>
           </a:p>
@@ -13001,7 +12680,7 @@
           <a:p>
             <a:fld id="{D3C17AFF-A74C-44CF-98BC-1CBCD8327C83}" type="datetimeFigureOut">
               <a:rPr lang="fr-FR" smtClean="0"/>
-              <a:t>07/10/2022</a:t>
+              <a:t>14/10/2022</a:t>
             </a:fld>
             <a:endParaRPr lang="fr-FR"/>
           </a:p>
@@ -13199,7 +12878,7 @@
           <a:p>
             <a:fld id="{D3C17AFF-A74C-44CF-98BC-1CBCD8327C83}" type="datetimeFigureOut">
               <a:rPr lang="fr-FR" smtClean="0"/>
-              <a:t>07/10/2022</a:t>
+              <a:t>14/10/2022</a:t>
             </a:fld>
             <a:endParaRPr lang="fr-FR"/>
           </a:p>
@@ -13474,7 +13153,7 @@
           <a:p>
             <a:fld id="{D3C17AFF-A74C-44CF-98BC-1CBCD8327C83}" type="datetimeFigureOut">
               <a:rPr lang="fr-FR" smtClean="0"/>
-              <a:t>07/10/2022</a:t>
+              <a:t>14/10/2022</a:t>
             </a:fld>
             <a:endParaRPr lang="fr-FR"/>
           </a:p>
@@ -13739,7 +13418,7 @@
           <a:p>
             <a:fld id="{D3C17AFF-A74C-44CF-98BC-1CBCD8327C83}" type="datetimeFigureOut">
               <a:rPr lang="fr-FR" smtClean="0"/>
-              <a:t>07/10/2022</a:t>
+              <a:t>14/10/2022</a:t>
             </a:fld>
             <a:endParaRPr lang="fr-FR"/>
           </a:p>
@@ -14151,7 +13830,7 @@
           <a:p>
             <a:fld id="{D3C17AFF-A74C-44CF-98BC-1CBCD8327C83}" type="datetimeFigureOut">
               <a:rPr lang="fr-FR" smtClean="0"/>
-              <a:t>07/10/2022</a:t>
+              <a:t>14/10/2022</a:t>
             </a:fld>
             <a:endParaRPr lang="fr-FR"/>
           </a:p>
@@ -14292,7 +13971,7 @@
           <a:p>
             <a:fld id="{D3C17AFF-A74C-44CF-98BC-1CBCD8327C83}" type="datetimeFigureOut">
               <a:rPr lang="fr-FR" smtClean="0"/>
-              <a:t>07/10/2022</a:t>
+              <a:t>14/10/2022</a:t>
             </a:fld>
             <a:endParaRPr lang="fr-FR"/>
           </a:p>
@@ -14405,7 +14084,7 @@
           <a:p>
             <a:fld id="{D3C17AFF-A74C-44CF-98BC-1CBCD8327C83}" type="datetimeFigureOut">
               <a:rPr lang="fr-FR" smtClean="0"/>
-              <a:t>07/10/2022</a:t>
+              <a:t>14/10/2022</a:t>
             </a:fld>
             <a:endParaRPr lang="fr-FR"/>
           </a:p>
@@ -14716,7 +14395,7 @@
           <a:p>
             <a:fld id="{D3C17AFF-A74C-44CF-98BC-1CBCD8327C83}" type="datetimeFigureOut">
               <a:rPr lang="fr-FR" smtClean="0"/>
-              <a:t>07/10/2022</a:t>
+              <a:t>14/10/2022</a:t>
             </a:fld>
             <a:endParaRPr lang="fr-FR"/>
           </a:p>
@@ -15004,7 +14683,7 @@
           <a:p>
             <a:fld id="{D3C17AFF-A74C-44CF-98BC-1CBCD8327C83}" type="datetimeFigureOut">
               <a:rPr lang="fr-FR" smtClean="0"/>
-              <a:t>07/10/2022</a:t>
+              <a:t>14/10/2022</a:t>
             </a:fld>
             <a:endParaRPr lang="fr-FR"/>
           </a:p>
@@ -15245,7 +14924,7 @@
           <a:p>
             <a:fld id="{D3C17AFF-A74C-44CF-98BC-1CBCD8327C83}" type="datetimeFigureOut">
               <a:rPr lang="fr-FR" smtClean="0"/>
-              <a:t>07/10/2022</a:t>
+              <a:t>14/10/2022</a:t>
             </a:fld>
             <a:endParaRPr lang="fr-FR"/>
           </a:p>
@@ -15675,7 +15354,7 @@
           <p:nvPr>
             <p:extLst>
               <p:ext uri="{D42A27DB-BD31-4B8C-83A1-F6EECF244321}">
-                <p14:modId xmlns:p14="http://schemas.microsoft.com/office/powerpoint/2010/main" val="3701948593"/>
+                <p14:modId xmlns:p14="http://schemas.microsoft.com/office/powerpoint/2010/main" val="3465823845"/>
               </p:ext>
             </p:extLst>
           </p:nvPr>
@@ -15849,7 +15528,7 @@
           <p:nvPr>
             <p:extLst>
               <p:ext uri="{D42A27DB-BD31-4B8C-83A1-F6EECF244321}">
-                <p14:modId xmlns:p14="http://schemas.microsoft.com/office/powerpoint/2010/main" val="3690551939"/>
+                <p14:modId xmlns:p14="http://schemas.microsoft.com/office/powerpoint/2010/main" val="3834866548"/>
               </p:ext>
             </p:extLst>
           </p:nvPr>
@@ -15940,7 +15619,7 @@
           <p:nvPr>
             <p:extLst>
               <p:ext uri="{D42A27DB-BD31-4B8C-83A1-F6EECF244321}">
-                <p14:modId xmlns:p14="http://schemas.microsoft.com/office/powerpoint/2010/main" val="1832411837"/>
+                <p14:modId xmlns:p14="http://schemas.microsoft.com/office/powerpoint/2010/main" val="78562834"/>
               </p:ext>
             </p:extLst>
           </p:nvPr>
@@ -16031,7 +15710,7 @@
           <p:nvPr>
             <p:extLst>
               <p:ext uri="{D42A27DB-BD31-4B8C-83A1-F6EECF244321}">
-                <p14:modId xmlns:p14="http://schemas.microsoft.com/office/powerpoint/2010/main" val="1999580031"/>
+                <p14:modId xmlns:p14="http://schemas.microsoft.com/office/powerpoint/2010/main" val="618332890"/>
               </p:ext>
             </p:extLst>
           </p:nvPr>
@@ -16050,6 +15729,1098 @@
     <p:extLst>
       <p:ext uri="{BB962C8B-B14F-4D97-AF65-F5344CB8AC3E}">
         <p14:creationId xmlns:p14="http://schemas.microsoft.com/office/powerpoint/2010/main" val="3204036785"/>
+      </p:ext>
+    </p:extLst>
+  </p:cSld>
+  <p:clrMapOvr>
+    <a:masterClrMapping/>
+  </p:clrMapOvr>
+</p:sld>
+</file>
+
+<file path=ppt/slides/slide5.xml><?xml version="1.0" encoding="utf-8"?>
+<p:sld xmlns:a="http://schemas.openxmlformats.org/drawingml/2006/main" xmlns:r="http://schemas.openxmlformats.org/officeDocument/2006/relationships" xmlns:p="http://schemas.openxmlformats.org/presentationml/2006/main">
+  <p:cSld>
+    <p:spTree>
+      <p:nvGrpSpPr>
+        <p:cNvPr id="1" name=""/>
+        <p:cNvGrpSpPr/>
+        <p:nvPr/>
+      </p:nvGrpSpPr>
+      <p:grpSpPr>
+        <a:xfrm>
+          <a:off x="0" y="0"/>
+          <a:ext cx="0" cy="0"/>
+          <a:chOff x="0" y="0"/>
+          <a:chExt cx="0" cy="0"/>
+        </a:xfrm>
+      </p:grpSpPr>
+      <p:grpSp>
+        <p:nvGrpSpPr>
+          <p:cNvPr id="15" name="Groupe 14">
+            <a:extLst>
+              <a:ext uri="{FF2B5EF4-FFF2-40B4-BE49-F238E27FC236}">
+                <a16:creationId xmlns:a16="http://schemas.microsoft.com/office/drawing/2014/main" id="{B72B31DE-03C0-4EFD-90A8-32752F7BE9DC}"/>
+              </a:ext>
+            </a:extLst>
+          </p:cNvPr>
+          <p:cNvGrpSpPr/>
+          <p:nvPr/>
+        </p:nvGrpSpPr>
+        <p:grpSpPr>
+          <a:xfrm>
+            <a:off x="3122089" y="3978027"/>
+            <a:ext cx="1801908" cy="1739153"/>
+            <a:chOff x="5038164" y="2922494"/>
+            <a:chExt cx="1801908" cy="1739153"/>
+          </a:xfrm>
+        </p:grpSpPr>
+        <p:sp>
+          <p:nvSpPr>
+            <p:cNvPr id="9" name="Rectangle 8">
+              <a:extLst>
+                <a:ext uri="{FF2B5EF4-FFF2-40B4-BE49-F238E27FC236}">
+                  <a16:creationId xmlns:a16="http://schemas.microsoft.com/office/drawing/2014/main" id="{306486AF-D4DA-463A-858E-8BB5BB02C738}"/>
+                </a:ext>
+              </a:extLst>
+            </p:cNvPr>
+            <p:cNvSpPr/>
+            <p:nvPr/>
+          </p:nvSpPr>
+          <p:spPr>
+            <a:xfrm>
+              <a:off x="5038164" y="2922494"/>
+              <a:ext cx="1801907" cy="1739153"/>
+            </a:xfrm>
+            <a:prstGeom prst="rect">
+              <a:avLst/>
+            </a:prstGeom>
+            <a:noFill/>
+            <a:ln w="38100"/>
+          </p:spPr>
+          <p:style>
+            <a:lnRef idx="2">
+              <a:schemeClr val="accent1">
+                <a:shade val="50000"/>
+              </a:schemeClr>
+            </a:lnRef>
+            <a:fillRef idx="1">
+              <a:schemeClr val="accent1"/>
+            </a:fillRef>
+            <a:effectRef idx="0">
+              <a:schemeClr val="accent1"/>
+            </a:effectRef>
+            <a:fontRef idx="minor">
+              <a:schemeClr val="lt1"/>
+            </a:fontRef>
+          </p:style>
+          <p:txBody>
+            <a:bodyPr rtlCol="0" anchor="ctr"/>
+            <a:lstStyle/>
+            <a:p>
+              <a:pPr algn="ctr"/>
+              <a:endParaRPr lang="fr-FR" dirty="0"/>
+            </a:p>
+          </p:txBody>
+        </p:sp>
+        <p:sp>
+          <p:nvSpPr>
+            <p:cNvPr id="12" name="ZoneTexte 11">
+              <a:extLst>
+                <a:ext uri="{FF2B5EF4-FFF2-40B4-BE49-F238E27FC236}">
+                  <a16:creationId xmlns:a16="http://schemas.microsoft.com/office/drawing/2014/main" id="{B6BEFF8F-539B-401C-A9B0-8A371756F5A6}"/>
+                </a:ext>
+              </a:extLst>
+            </p:cNvPr>
+            <p:cNvSpPr txBox="1"/>
+            <p:nvPr/>
+          </p:nvSpPr>
+          <p:spPr>
+            <a:xfrm>
+              <a:off x="5038164" y="2967316"/>
+              <a:ext cx="1801908" cy="369332"/>
+            </a:xfrm>
+            <a:prstGeom prst="rect">
+              <a:avLst/>
+            </a:prstGeom>
+            <a:noFill/>
+          </p:spPr>
+          <p:txBody>
+            <a:bodyPr wrap="square" rtlCol="0">
+              <a:spAutoFit/>
+            </a:bodyPr>
+            <a:lstStyle/>
+            <a:p>
+              <a:pPr algn="ctr"/>
+              <a:r>
+                <a:rPr lang="fr-FR" dirty="0"/>
+                <a:t>Base de données</a:t>
+              </a:r>
+            </a:p>
+          </p:txBody>
+        </p:sp>
+        <p:pic>
+          <p:nvPicPr>
+            <p:cNvPr id="14" name="Image 13">
+              <a:extLst>
+                <a:ext uri="{FF2B5EF4-FFF2-40B4-BE49-F238E27FC236}">
+                  <a16:creationId xmlns:a16="http://schemas.microsoft.com/office/drawing/2014/main" id="{3CF3F378-D593-4512-AAC9-5AEF9B4FBB83}"/>
+                </a:ext>
+              </a:extLst>
+            </p:cNvPr>
+            <p:cNvPicPr>
+              <a:picLocks noChangeAspect="1"/>
+            </p:cNvPicPr>
+            <p:nvPr/>
+          </p:nvPicPr>
+          <p:blipFill>
+            <a:blip r:embed="rId2">
+              <a:extLst>
+                <a:ext uri="{28A0092B-C50C-407E-A947-70E740481C1C}">
+                  <a14:useLocalDpi xmlns:a14="http://schemas.microsoft.com/office/drawing/2010/main" val="0"/>
+                </a:ext>
+              </a:extLst>
+            </a:blip>
+            <a:stretch>
+              <a:fillRect/>
+            </a:stretch>
+          </p:blipFill>
+          <p:spPr>
+            <a:xfrm>
+              <a:off x="5504330" y="3632207"/>
+              <a:ext cx="869574" cy="896748"/>
+            </a:xfrm>
+            <a:prstGeom prst="rect">
+              <a:avLst/>
+            </a:prstGeom>
+          </p:spPr>
+        </p:pic>
+      </p:grpSp>
+      <p:sp>
+        <p:nvSpPr>
+          <p:cNvPr id="18" name="Rectangle 17">
+            <a:extLst>
+              <a:ext uri="{FF2B5EF4-FFF2-40B4-BE49-F238E27FC236}">
+                <a16:creationId xmlns:a16="http://schemas.microsoft.com/office/drawing/2014/main" id="{755CA56F-2980-4E44-AB3A-C6E64C13EFDC}"/>
+              </a:ext>
+            </a:extLst>
+          </p:cNvPr>
+          <p:cNvSpPr/>
+          <p:nvPr/>
+        </p:nvSpPr>
+        <p:spPr>
+          <a:xfrm>
+            <a:off x="6674493" y="839835"/>
+            <a:ext cx="2545977" cy="2707341"/>
+          </a:xfrm>
+          <a:prstGeom prst="rect">
+            <a:avLst/>
+          </a:prstGeom>
+          <a:noFill/>
+          <a:ln w="38100">
+            <a:solidFill>
+              <a:schemeClr val="accent6"/>
+            </a:solidFill>
+          </a:ln>
+        </p:spPr>
+        <p:style>
+          <a:lnRef idx="2">
+            <a:schemeClr val="accent1">
+              <a:shade val="50000"/>
+            </a:schemeClr>
+          </a:lnRef>
+          <a:fillRef idx="1">
+            <a:schemeClr val="accent1"/>
+          </a:fillRef>
+          <a:effectRef idx="0">
+            <a:schemeClr val="accent1"/>
+          </a:effectRef>
+          <a:fontRef idx="minor">
+            <a:schemeClr val="lt1"/>
+          </a:fontRef>
+        </p:style>
+        <p:txBody>
+          <a:bodyPr rtlCol="0" anchor="ctr"/>
+          <a:lstStyle/>
+          <a:p>
+            <a:pPr algn="ctr"/>
+            <a:endParaRPr lang="fr-FR" dirty="0"/>
+          </a:p>
+        </p:txBody>
+      </p:sp>
+      <p:sp>
+        <p:nvSpPr>
+          <p:cNvPr id="19" name="ZoneTexte 18">
+            <a:extLst>
+              <a:ext uri="{FF2B5EF4-FFF2-40B4-BE49-F238E27FC236}">
+                <a16:creationId xmlns:a16="http://schemas.microsoft.com/office/drawing/2014/main" id="{AF5727B3-19BE-4E0B-ADEE-BF26EAECD8EB}"/>
+              </a:ext>
+            </a:extLst>
+          </p:cNvPr>
+          <p:cNvSpPr txBox="1"/>
+          <p:nvPr/>
+        </p:nvSpPr>
+        <p:spPr>
+          <a:xfrm>
+            <a:off x="6773104" y="945724"/>
+            <a:ext cx="2348753" cy="369332"/>
+          </a:xfrm>
+          <a:prstGeom prst="rect">
+            <a:avLst/>
+          </a:prstGeom>
+          <a:noFill/>
+        </p:spPr>
+        <p:txBody>
+          <a:bodyPr wrap="square" rtlCol="0">
+            <a:spAutoFit/>
+          </a:bodyPr>
+          <a:lstStyle/>
+          <a:p>
+            <a:pPr algn="ctr"/>
+            <a:r>
+              <a:rPr lang="fr-FR" dirty="0"/>
+              <a:t>Collecteur SNMP</a:t>
+            </a:r>
+          </a:p>
+        </p:txBody>
+      </p:sp>
+      <p:pic>
+        <p:nvPicPr>
+          <p:cNvPr id="21" name="Image 20">
+            <a:extLst>
+              <a:ext uri="{FF2B5EF4-FFF2-40B4-BE49-F238E27FC236}">
+                <a16:creationId xmlns:a16="http://schemas.microsoft.com/office/drawing/2014/main" id="{66745E9C-D45F-4B63-A4D0-ADE22D3ADB8E}"/>
+              </a:ext>
+            </a:extLst>
+          </p:cNvPr>
+          <p:cNvPicPr>
+            <a:picLocks noChangeAspect="1"/>
+          </p:cNvPicPr>
+          <p:nvPr/>
+        </p:nvPicPr>
+        <p:blipFill>
+          <a:blip r:embed="rId3">
+            <a:extLst>
+              <a:ext uri="{28A0092B-C50C-407E-A947-70E740481C1C}">
+                <a14:useLocalDpi xmlns:a14="http://schemas.microsoft.com/office/drawing/2010/main" val="0"/>
+              </a:ext>
+            </a:extLst>
+          </a:blip>
+          <a:stretch>
+            <a:fillRect/>
+          </a:stretch>
+        </p:blipFill>
+        <p:spPr>
+          <a:xfrm>
+            <a:off x="6745572" y="2742133"/>
+            <a:ext cx="2403816" cy="712694"/>
+          </a:xfrm>
+          <a:prstGeom prst="rect">
+            <a:avLst/>
+          </a:prstGeom>
+        </p:spPr>
+      </p:pic>
+      <p:grpSp>
+        <p:nvGrpSpPr>
+          <p:cNvPr id="25" name="Groupe 24">
+            <a:extLst>
+              <a:ext uri="{FF2B5EF4-FFF2-40B4-BE49-F238E27FC236}">
+                <a16:creationId xmlns:a16="http://schemas.microsoft.com/office/drawing/2014/main" id="{A0C757A0-2908-4CA8-8D60-2B04C8D25B82}"/>
+              </a:ext>
+            </a:extLst>
+          </p:cNvPr>
+          <p:cNvGrpSpPr/>
+          <p:nvPr/>
+        </p:nvGrpSpPr>
+        <p:grpSpPr>
+          <a:xfrm>
+            <a:off x="2750056" y="839835"/>
+            <a:ext cx="2545977" cy="2707341"/>
+            <a:chOff x="1470210" y="824753"/>
+            <a:chExt cx="2545977" cy="2707341"/>
+          </a:xfrm>
+        </p:grpSpPr>
+        <p:grpSp>
+          <p:nvGrpSpPr>
+            <p:cNvPr id="8" name="Groupe 7">
+              <a:extLst>
+                <a:ext uri="{FF2B5EF4-FFF2-40B4-BE49-F238E27FC236}">
+                  <a16:creationId xmlns:a16="http://schemas.microsoft.com/office/drawing/2014/main" id="{C167B3F1-2E00-4A31-83D0-A1B741E77A11}"/>
+                </a:ext>
+              </a:extLst>
+            </p:cNvPr>
+            <p:cNvGrpSpPr/>
+            <p:nvPr/>
+          </p:nvGrpSpPr>
+          <p:grpSpPr>
+            <a:xfrm>
+              <a:off x="1470210" y="824753"/>
+              <a:ext cx="2545977" cy="2707341"/>
+              <a:chOff x="2465293" y="1819836"/>
+              <a:chExt cx="2545977" cy="2707341"/>
+            </a:xfrm>
+          </p:grpSpPr>
+          <p:sp>
+            <p:nvSpPr>
+              <p:cNvPr id="4" name="Rectangle 3">
+                <a:extLst>
+                  <a:ext uri="{FF2B5EF4-FFF2-40B4-BE49-F238E27FC236}">
+                    <a16:creationId xmlns:a16="http://schemas.microsoft.com/office/drawing/2014/main" id="{4A9609A5-8337-45B5-BB9C-C7E2BB76E34A}"/>
+                  </a:ext>
+                </a:extLst>
+              </p:cNvPr>
+              <p:cNvSpPr/>
+              <p:nvPr/>
+            </p:nvSpPr>
+            <p:spPr>
+              <a:xfrm>
+                <a:off x="2465293" y="1819836"/>
+                <a:ext cx="2545977" cy="2707341"/>
+              </a:xfrm>
+              <a:prstGeom prst="rect">
+                <a:avLst/>
+              </a:prstGeom>
+              <a:noFill/>
+              <a:ln w="38100">
+                <a:solidFill>
+                  <a:schemeClr val="tx2"/>
+                </a:solidFill>
+              </a:ln>
+            </p:spPr>
+            <p:style>
+              <a:lnRef idx="2">
+                <a:schemeClr val="accent1">
+                  <a:shade val="50000"/>
+                </a:schemeClr>
+              </a:lnRef>
+              <a:fillRef idx="1">
+                <a:schemeClr val="accent1"/>
+              </a:fillRef>
+              <a:effectRef idx="0">
+                <a:schemeClr val="accent1"/>
+              </a:effectRef>
+              <a:fontRef idx="minor">
+                <a:schemeClr val="lt1"/>
+              </a:fontRef>
+            </p:style>
+            <p:txBody>
+              <a:bodyPr rtlCol="0" anchor="ctr"/>
+              <a:lstStyle/>
+              <a:p>
+                <a:pPr algn="ctr"/>
+                <a:endParaRPr lang="fr-FR" dirty="0"/>
+              </a:p>
+            </p:txBody>
+          </p:sp>
+          <p:sp>
+            <p:nvSpPr>
+              <p:cNvPr id="5" name="ZoneTexte 4">
+                <a:extLst>
+                  <a:ext uri="{FF2B5EF4-FFF2-40B4-BE49-F238E27FC236}">
+                    <a16:creationId xmlns:a16="http://schemas.microsoft.com/office/drawing/2014/main" id="{CE1DFBC7-1ADD-4DE5-8299-209F2A78231C}"/>
+                  </a:ext>
+                </a:extLst>
+              </p:cNvPr>
+              <p:cNvSpPr txBox="1"/>
+              <p:nvPr/>
+            </p:nvSpPr>
+            <p:spPr>
+              <a:xfrm>
+                <a:off x="2563904" y="1929971"/>
+                <a:ext cx="2348753" cy="369332"/>
+              </a:xfrm>
+              <a:prstGeom prst="rect">
+                <a:avLst/>
+              </a:prstGeom>
+              <a:noFill/>
+            </p:spPr>
+            <p:txBody>
+              <a:bodyPr wrap="square" rtlCol="0">
+                <a:spAutoFit/>
+              </a:bodyPr>
+              <a:lstStyle/>
+              <a:p>
+                <a:pPr algn="ctr"/>
+                <a:r>
+                  <a:rPr lang="fr-FR" dirty="0"/>
+                  <a:t>Interface utilisateur</a:t>
+                </a:r>
+              </a:p>
+            </p:txBody>
+          </p:sp>
+          <p:pic>
+            <p:nvPicPr>
+              <p:cNvPr id="7" name="Image 6">
+                <a:extLst>
+                  <a:ext uri="{FF2B5EF4-FFF2-40B4-BE49-F238E27FC236}">
+                    <a16:creationId xmlns:a16="http://schemas.microsoft.com/office/drawing/2014/main" id="{0158DCF0-76AB-429F-ACF8-3164FCFB9A80}"/>
+                  </a:ext>
+                </a:extLst>
+              </p:cNvPr>
+              <p:cNvPicPr>
+                <a:picLocks noChangeAspect="1"/>
+              </p:cNvPicPr>
+              <p:nvPr/>
+            </p:nvPicPr>
+            <p:blipFill>
+              <a:blip r:embed="rId4">
+                <a:extLst>
+                  <a:ext uri="{28A0092B-C50C-407E-A947-70E740481C1C}">
+                    <a14:useLocalDpi xmlns:a14="http://schemas.microsoft.com/office/drawing/2010/main" val="0"/>
+                  </a:ext>
+                </a:extLst>
+              </a:blip>
+              <a:stretch>
+                <a:fillRect/>
+              </a:stretch>
+            </p:blipFill>
+            <p:spPr>
+              <a:xfrm>
+                <a:off x="3099546" y="3979098"/>
+                <a:ext cx="1277470" cy="444985"/>
+              </a:xfrm>
+              <a:prstGeom prst="rect">
+                <a:avLst/>
+              </a:prstGeom>
+            </p:spPr>
+          </p:pic>
+        </p:grpSp>
+        <p:cxnSp>
+          <p:nvCxnSpPr>
+            <p:cNvPr id="23" name="Connecteur droit 22">
+              <a:extLst>
+                <a:ext uri="{FF2B5EF4-FFF2-40B4-BE49-F238E27FC236}">
+                  <a16:creationId xmlns:a16="http://schemas.microsoft.com/office/drawing/2014/main" id="{3F2F077B-D63B-4932-9C04-4D61FFEF2E5A}"/>
+                </a:ext>
+              </a:extLst>
+            </p:cNvPr>
+            <p:cNvCxnSpPr/>
+            <p:nvPr/>
+          </p:nvCxnSpPr>
+          <p:spPr>
+            <a:xfrm>
+              <a:off x="1470210" y="2193506"/>
+              <a:ext cx="2545977" cy="0"/>
+            </a:xfrm>
+            <a:prstGeom prst="line">
+              <a:avLst/>
+            </a:prstGeom>
+            <a:ln w="57150">
+              <a:solidFill>
+                <a:schemeClr val="tx2"/>
+              </a:solidFill>
+            </a:ln>
+          </p:spPr>
+          <p:style>
+            <a:lnRef idx="1">
+              <a:schemeClr val="accent1"/>
+            </a:lnRef>
+            <a:fillRef idx="0">
+              <a:schemeClr val="accent1"/>
+            </a:fillRef>
+            <a:effectRef idx="0">
+              <a:schemeClr val="accent1"/>
+            </a:effectRef>
+            <a:fontRef idx="minor">
+              <a:schemeClr val="tx1"/>
+            </a:fontRef>
+          </p:style>
+        </p:cxnSp>
+        <p:sp>
+          <p:nvSpPr>
+            <p:cNvPr id="24" name="Rectangle 23">
+              <a:extLst>
+                <a:ext uri="{FF2B5EF4-FFF2-40B4-BE49-F238E27FC236}">
+                  <a16:creationId xmlns:a16="http://schemas.microsoft.com/office/drawing/2014/main" id="{405D50B5-21FA-48BE-A14A-7C4B53E56E99}"/>
+                </a:ext>
+              </a:extLst>
+            </p:cNvPr>
+            <p:cNvSpPr/>
+            <p:nvPr/>
+          </p:nvSpPr>
+          <p:spPr>
+            <a:xfrm>
+              <a:off x="2244022" y="2272245"/>
+              <a:ext cx="998350" cy="369332"/>
+            </a:xfrm>
+            <a:prstGeom prst="rect">
+              <a:avLst/>
+            </a:prstGeom>
+          </p:spPr>
+          <p:txBody>
+            <a:bodyPr wrap="none">
+              <a:spAutoFit/>
+            </a:bodyPr>
+            <a:lstStyle/>
+            <a:p>
+              <a:pPr algn="ctr"/>
+              <a:r>
+                <a:rPr lang="fr-FR" dirty="0"/>
+                <a:t>API REST</a:t>
+              </a:r>
+            </a:p>
+          </p:txBody>
+        </p:sp>
+      </p:grpSp>
+      <p:pic>
+        <p:nvPicPr>
+          <p:cNvPr id="26" name="Image 25">
+            <a:extLst>
+              <a:ext uri="{FF2B5EF4-FFF2-40B4-BE49-F238E27FC236}">
+                <a16:creationId xmlns:a16="http://schemas.microsoft.com/office/drawing/2014/main" id="{06336182-4E32-434B-9FFB-C3216E5F8979}"/>
+              </a:ext>
+            </a:extLst>
+          </p:cNvPr>
+          <p:cNvPicPr>
+            <a:picLocks noChangeAspect="1"/>
+          </p:cNvPicPr>
+          <p:nvPr/>
+        </p:nvPicPr>
+        <p:blipFill>
+          <a:blip r:embed="rId4">
+            <a:extLst>
+              <a:ext uri="{28A0092B-C50C-407E-A947-70E740481C1C}">
+                <a14:useLocalDpi xmlns:a14="http://schemas.microsoft.com/office/drawing/2010/main" val="0"/>
+              </a:ext>
+            </a:extLst>
+          </a:blip>
+          <a:stretch>
+            <a:fillRect/>
+          </a:stretch>
+        </p:blipFill>
+        <p:spPr>
+          <a:xfrm>
+            <a:off x="3384309" y="1721010"/>
+            <a:ext cx="1277470" cy="444985"/>
+          </a:xfrm>
+          <a:prstGeom prst="rect">
+            <a:avLst/>
+          </a:prstGeom>
+        </p:spPr>
+      </p:pic>
+      <p:pic>
+        <p:nvPicPr>
+          <p:cNvPr id="28" name="Image 27">
+            <a:extLst>
+              <a:ext uri="{FF2B5EF4-FFF2-40B4-BE49-F238E27FC236}">
+                <a16:creationId xmlns:a16="http://schemas.microsoft.com/office/drawing/2014/main" id="{7738D895-A2E9-488D-AA32-822B1316E0AE}"/>
+              </a:ext>
+            </a:extLst>
+          </p:cNvPr>
+          <p:cNvPicPr>
+            <a:picLocks noChangeAspect="1"/>
+          </p:cNvPicPr>
+          <p:nvPr/>
+        </p:nvPicPr>
+        <p:blipFill>
+          <a:blip r:embed="rId5">
+            <a:extLst>
+              <a:ext uri="{28A0092B-C50C-407E-A947-70E740481C1C}">
+                <a14:useLocalDpi xmlns:a14="http://schemas.microsoft.com/office/drawing/2010/main" val="0"/>
+              </a:ext>
+            </a:extLst>
+          </a:blip>
+          <a:stretch>
+            <a:fillRect/>
+          </a:stretch>
+        </p:blipFill>
+        <p:spPr>
+          <a:xfrm>
+            <a:off x="10222144" y="978827"/>
+            <a:ext cx="842144" cy="842144"/>
+          </a:xfrm>
+          <a:prstGeom prst="rect">
+            <a:avLst/>
+          </a:prstGeom>
+        </p:spPr>
+      </p:pic>
+      <p:pic>
+        <p:nvPicPr>
+          <p:cNvPr id="29" name="Image 28">
+            <a:extLst>
+              <a:ext uri="{FF2B5EF4-FFF2-40B4-BE49-F238E27FC236}">
+                <a16:creationId xmlns:a16="http://schemas.microsoft.com/office/drawing/2014/main" id="{882C885A-755B-40AC-879A-A96D73F31848}"/>
+              </a:ext>
+            </a:extLst>
+          </p:cNvPr>
+          <p:cNvPicPr>
+            <a:picLocks noChangeAspect="1"/>
+          </p:cNvPicPr>
+          <p:nvPr/>
+        </p:nvPicPr>
+        <p:blipFill>
+          <a:blip r:embed="rId5">
+            <a:extLst>
+              <a:ext uri="{28A0092B-C50C-407E-A947-70E740481C1C}">
+                <a14:useLocalDpi xmlns:a14="http://schemas.microsoft.com/office/drawing/2010/main" val="0"/>
+              </a:ext>
+            </a:extLst>
+          </a:blip>
+          <a:stretch>
+            <a:fillRect/>
+          </a:stretch>
+        </p:blipFill>
+        <p:spPr>
+          <a:xfrm>
+            <a:off x="10222144" y="2321061"/>
+            <a:ext cx="842144" cy="842144"/>
+          </a:xfrm>
+          <a:prstGeom prst="rect">
+            <a:avLst/>
+          </a:prstGeom>
+        </p:spPr>
+      </p:pic>
+      <p:cxnSp>
+        <p:nvCxnSpPr>
+          <p:cNvPr id="31" name="Connecteur droit avec flèche 30">
+            <a:extLst>
+              <a:ext uri="{FF2B5EF4-FFF2-40B4-BE49-F238E27FC236}">
+                <a16:creationId xmlns:a16="http://schemas.microsoft.com/office/drawing/2014/main" id="{2C06B6A0-27F7-4EDB-A305-17B9737BAE9E}"/>
+              </a:ext>
+            </a:extLst>
+          </p:cNvPr>
+          <p:cNvCxnSpPr>
+            <a:stCxn id="18" idx="3"/>
+            <a:endCxn id="28" idx="1"/>
+          </p:cNvCxnSpPr>
+          <p:nvPr/>
+        </p:nvCxnSpPr>
+        <p:spPr>
+          <a:xfrm flipV="1">
+            <a:off x="9220470" y="1399899"/>
+            <a:ext cx="1001674" cy="793607"/>
+          </a:xfrm>
+          <a:prstGeom prst="straightConnector1">
+            <a:avLst/>
+          </a:prstGeom>
+          <a:ln w="38100">
+            <a:solidFill>
+              <a:schemeClr val="tx1"/>
+            </a:solidFill>
+            <a:tailEnd type="triangle"/>
+          </a:ln>
+        </p:spPr>
+        <p:style>
+          <a:lnRef idx="1">
+            <a:schemeClr val="accent1"/>
+          </a:lnRef>
+          <a:fillRef idx="0">
+            <a:schemeClr val="accent1"/>
+          </a:fillRef>
+          <a:effectRef idx="0">
+            <a:schemeClr val="accent1"/>
+          </a:effectRef>
+          <a:fontRef idx="minor">
+            <a:schemeClr val="tx1"/>
+          </a:fontRef>
+        </p:style>
+      </p:cxnSp>
+      <p:cxnSp>
+        <p:nvCxnSpPr>
+          <p:cNvPr id="32" name="Connecteur droit avec flèche 31">
+            <a:extLst>
+              <a:ext uri="{FF2B5EF4-FFF2-40B4-BE49-F238E27FC236}">
+                <a16:creationId xmlns:a16="http://schemas.microsoft.com/office/drawing/2014/main" id="{EDF1489E-FF7A-45DC-BC92-90FC19F62242}"/>
+              </a:ext>
+            </a:extLst>
+          </p:cNvPr>
+          <p:cNvCxnSpPr>
+            <a:cxnSpLocks/>
+            <a:stCxn id="18" idx="3"/>
+            <a:endCxn id="29" idx="1"/>
+          </p:cNvCxnSpPr>
+          <p:nvPr/>
+        </p:nvCxnSpPr>
+        <p:spPr>
+          <a:xfrm>
+            <a:off x="9220470" y="2193506"/>
+            <a:ext cx="1001674" cy="548627"/>
+          </a:xfrm>
+          <a:prstGeom prst="straightConnector1">
+            <a:avLst/>
+          </a:prstGeom>
+          <a:ln w="38100">
+            <a:solidFill>
+              <a:schemeClr val="tx1"/>
+            </a:solidFill>
+            <a:tailEnd type="triangle"/>
+          </a:ln>
+        </p:spPr>
+        <p:style>
+          <a:lnRef idx="1">
+            <a:schemeClr val="accent1"/>
+          </a:lnRef>
+          <a:fillRef idx="0">
+            <a:schemeClr val="accent1"/>
+          </a:fillRef>
+          <a:effectRef idx="0">
+            <a:schemeClr val="accent1"/>
+          </a:effectRef>
+          <a:fontRef idx="minor">
+            <a:schemeClr val="tx1"/>
+          </a:fontRef>
+        </p:style>
+      </p:cxnSp>
+      <p:sp>
+        <p:nvSpPr>
+          <p:cNvPr id="35" name="ZoneTexte 34">
+            <a:extLst>
+              <a:ext uri="{FF2B5EF4-FFF2-40B4-BE49-F238E27FC236}">
+                <a16:creationId xmlns:a16="http://schemas.microsoft.com/office/drawing/2014/main" id="{4A493B37-2588-4D94-9E89-77B41E485605}"/>
+              </a:ext>
+            </a:extLst>
+          </p:cNvPr>
+          <p:cNvSpPr txBox="1"/>
+          <p:nvPr/>
+        </p:nvSpPr>
+        <p:spPr>
+          <a:xfrm rot="19166027">
+            <a:off x="9068594" y="1459960"/>
+            <a:ext cx="1421824" cy="276999"/>
+          </a:xfrm>
+          <a:prstGeom prst="rect">
+            <a:avLst/>
+          </a:prstGeom>
+          <a:noFill/>
+        </p:spPr>
+        <p:txBody>
+          <a:bodyPr wrap="square" rtlCol="0">
+            <a:spAutoFit/>
+          </a:bodyPr>
+          <a:lstStyle/>
+          <a:p>
+            <a:r>
+              <a:rPr lang="fr-FR" sz="1200" dirty="0"/>
+              <a:t>Requêtes SNMP</a:t>
+            </a:r>
+          </a:p>
+        </p:txBody>
+      </p:sp>
+      <p:cxnSp>
+        <p:nvCxnSpPr>
+          <p:cNvPr id="36" name="Connecteur droit avec flèche 35">
+            <a:extLst>
+              <a:ext uri="{FF2B5EF4-FFF2-40B4-BE49-F238E27FC236}">
+                <a16:creationId xmlns:a16="http://schemas.microsoft.com/office/drawing/2014/main" id="{A9AFC8FB-BBFC-4ED3-A65D-5B8847C1F909}"/>
+              </a:ext>
+            </a:extLst>
+          </p:cNvPr>
+          <p:cNvCxnSpPr>
+            <a:cxnSpLocks/>
+            <a:stCxn id="18" idx="1"/>
+          </p:cNvCxnSpPr>
+          <p:nvPr/>
+        </p:nvCxnSpPr>
+        <p:spPr>
+          <a:xfrm flipH="1">
+            <a:off x="5296030" y="2193506"/>
+            <a:ext cx="1378463" cy="675200"/>
+          </a:xfrm>
+          <a:prstGeom prst="straightConnector1">
+            <a:avLst/>
+          </a:prstGeom>
+          <a:ln w="38100">
+            <a:solidFill>
+              <a:schemeClr val="tx1"/>
+            </a:solidFill>
+            <a:tailEnd type="triangle"/>
+          </a:ln>
+        </p:spPr>
+        <p:style>
+          <a:lnRef idx="1">
+            <a:schemeClr val="accent1"/>
+          </a:lnRef>
+          <a:fillRef idx="0">
+            <a:schemeClr val="accent1"/>
+          </a:fillRef>
+          <a:effectRef idx="0">
+            <a:schemeClr val="accent1"/>
+          </a:effectRef>
+          <a:fontRef idx="minor">
+            <a:schemeClr val="tx1"/>
+          </a:fontRef>
+        </p:style>
+      </p:cxnSp>
+      <p:cxnSp>
+        <p:nvCxnSpPr>
+          <p:cNvPr id="40" name="Connecteur droit avec flèche 39">
+            <a:extLst>
+              <a:ext uri="{FF2B5EF4-FFF2-40B4-BE49-F238E27FC236}">
+                <a16:creationId xmlns:a16="http://schemas.microsoft.com/office/drawing/2014/main" id="{AEC959C7-B379-458E-8DEA-5987F3F3E3A5}"/>
+              </a:ext>
+            </a:extLst>
+          </p:cNvPr>
+          <p:cNvCxnSpPr>
+            <a:cxnSpLocks/>
+            <a:stCxn id="4" idx="2"/>
+            <a:endCxn id="9" idx="0"/>
+          </p:cNvCxnSpPr>
+          <p:nvPr/>
+        </p:nvCxnSpPr>
+        <p:spPr>
+          <a:xfrm flipH="1">
+            <a:off x="4023043" y="3547176"/>
+            <a:ext cx="2" cy="430851"/>
+          </a:xfrm>
+          <a:prstGeom prst="straightConnector1">
+            <a:avLst/>
+          </a:prstGeom>
+          <a:ln w="38100">
+            <a:solidFill>
+              <a:schemeClr val="tx1"/>
+            </a:solidFill>
+            <a:tailEnd type="triangle"/>
+          </a:ln>
+        </p:spPr>
+        <p:style>
+          <a:lnRef idx="1">
+            <a:schemeClr val="accent1"/>
+          </a:lnRef>
+          <a:fillRef idx="0">
+            <a:schemeClr val="accent1"/>
+          </a:fillRef>
+          <a:effectRef idx="0">
+            <a:schemeClr val="accent1"/>
+          </a:effectRef>
+          <a:fontRef idx="minor">
+            <a:schemeClr val="tx1"/>
+          </a:fontRef>
+        </p:style>
+      </p:cxnSp>
+      <p:sp>
+        <p:nvSpPr>
+          <p:cNvPr id="46" name="ZoneTexte 45">
+            <a:extLst>
+              <a:ext uri="{FF2B5EF4-FFF2-40B4-BE49-F238E27FC236}">
+                <a16:creationId xmlns:a16="http://schemas.microsoft.com/office/drawing/2014/main" id="{1C9AEB3D-C935-445F-9057-953CC77C675D}"/>
+              </a:ext>
+            </a:extLst>
+          </p:cNvPr>
+          <p:cNvSpPr txBox="1"/>
+          <p:nvPr/>
+        </p:nvSpPr>
+        <p:spPr>
+          <a:xfrm>
+            <a:off x="10132764" y="1727296"/>
+            <a:ext cx="1421824" cy="276999"/>
+          </a:xfrm>
+          <a:prstGeom prst="rect">
+            <a:avLst/>
+          </a:prstGeom>
+          <a:noFill/>
+        </p:spPr>
+        <p:txBody>
+          <a:bodyPr wrap="square" rtlCol="0">
+            <a:spAutoFit/>
+          </a:bodyPr>
+          <a:lstStyle/>
+          <a:p>
+            <a:r>
+              <a:rPr lang="fr-FR" sz="1200" dirty="0"/>
+              <a:t>Equipement 1</a:t>
+            </a:r>
+          </a:p>
+        </p:txBody>
+      </p:sp>
+      <p:sp>
+        <p:nvSpPr>
+          <p:cNvPr id="47" name="ZoneTexte 46">
+            <a:extLst>
+              <a:ext uri="{FF2B5EF4-FFF2-40B4-BE49-F238E27FC236}">
+                <a16:creationId xmlns:a16="http://schemas.microsoft.com/office/drawing/2014/main" id="{1CE2B488-CABF-48AE-B95A-FE87874D8393}"/>
+              </a:ext>
+            </a:extLst>
+          </p:cNvPr>
+          <p:cNvSpPr txBox="1"/>
+          <p:nvPr/>
+        </p:nvSpPr>
+        <p:spPr>
+          <a:xfrm>
+            <a:off x="10132764" y="3083089"/>
+            <a:ext cx="1421824" cy="276999"/>
+          </a:xfrm>
+          <a:prstGeom prst="rect">
+            <a:avLst/>
+          </a:prstGeom>
+          <a:noFill/>
+        </p:spPr>
+        <p:txBody>
+          <a:bodyPr wrap="square" rtlCol="0">
+            <a:spAutoFit/>
+          </a:bodyPr>
+          <a:lstStyle/>
+          <a:p>
+            <a:r>
+              <a:rPr lang="fr-FR" sz="1200" dirty="0"/>
+              <a:t>Equipement 2</a:t>
+            </a:r>
+          </a:p>
+        </p:txBody>
+      </p:sp>
+      <p:sp>
+        <p:nvSpPr>
+          <p:cNvPr id="49" name="ZoneTexte 48">
+            <a:extLst>
+              <a:ext uri="{FF2B5EF4-FFF2-40B4-BE49-F238E27FC236}">
+                <a16:creationId xmlns:a16="http://schemas.microsoft.com/office/drawing/2014/main" id="{8BD9D257-46E8-4C69-8616-61795D8F7B4C}"/>
+              </a:ext>
+            </a:extLst>
+          </p:cNvPr>
+          <p:cNvSpPr txBox="1"/>
+          <p:nvPr/>
+        </p:nvSpPr>
+        <p:spPr>
+          <a:xfrm rot="19926949">
+            <a:off x="5364629" y="2141795"/>
+            <a:ext cx="1421824" cy="646331"/>
+          </a:xfrm>
+          <a:prstGeom prst="rect">
+            <a:avLst/>
+          </a:prstGeom>
+          <a:noFill/>
+        </p:spPr>
+        <p:txBody>
+          <a:bodyPr wrap="square" rtlCol="0">
+            <a:spAutoFit/>
+          </a:bodyPr>
+          <a:lstStyle/>
+          <a:p>
+            <a:r>
+              <a:rPr lang="fr-FR" sz="1200" dirty="0"/>
+              <a:t>Requêtes HTTP</a:t>
+            </a:r>
+          </a:p>
+          <a:p>
+            <a:endParaRPr lang="fr-FR" sz="1200" dirty="0"/>
+          </a:p>
+          <a:p>
+            <a:r>
+              <a:rPr lang="fr-FR" sz="1200" dirty="0"/>
+              <a:t> JSON</a:t>
+            </a:r>
+          </a:p>
+        </p:txBody>
+      </p:sp>
+      <p:pic>
+        <p:nvPicPr>
+          <p:cNvPr id="51" name="Image 50">
+            <a:extLst>
+              <a:ext uri="{FF2B5EF4-FFF2-40B4-BE49-F238E27FC236}">
+                <a16:creationId xmlns:a16="http://schemas.microsoft.com/office/drawing/2014/main" id="{2BFAD0C8-6D63-4C26-9A0F-239CAAF912A9}"/>
+              </a:ext>
+            </a:extLst>
+          </p:cNvPr>
+          <p:cNvPicPr>
+            <a:picLocks noChangeAspect="1"/>
+          </p:cNvPicPr>
+          <p:nvPr/>
+        </p:nvPicPr>
+        <p:blipFill>
+          <a:blip r:embed="rId6">
+            <a:extLst>
+              <a:ext uri="{28A0092B-C50C-407E-A947-70E740481C1C}">
+                <a14:useLocalDpi xmlns:a14="http://schemas.microsoft.com/office/drawing/2010/main" val="0"/>
+              </a:ext>
+            </a:extLst>
+          </a:blip>
+          <a:stretch>
+            <a:fillRect/>
+          </a:stretch>
+        </p:blipFill>
+        <p:spPr>
+          <a:xfrm>
+            <a:off x="746081" y="1315056"/>
+            <a:ext cx="1100912" cy="1148543"/>
+          </a:xfrm>
+          <a:prstGeom prst="rect">
+            <a:avLst/>
+          </a:prstGeom>
+        </p:spPr>
+      </p:pic>
+      <p:cxnSp>
+        <p:nvCxnSpPr>
+          <p:cNvPr id="52" name="Connecteur droit avec flèche 51">
+            <a:extLst>
+              <a:ext uri="{FF2B5EF4-FFF2-40B4-BE49-F238E27FC236}">
+                <a16:creationId xmlns:a16="http://schemas.microsoft.com/office/drawing/2014/main" id="{C65EFC90-857D-4F5B-B09A-67B6A28E6F2C}"/>
+              </a:ext>
+            </a:extLst>
+          </p:cNvPr>
+          <p:cNvCxnSpPr>
+            <a:cxnSpLocks/>
+            <a:stCxn id="51" idx="3"/>
+          </p:cNvCxnSpPr>
+          <p:nvPr/>
+        </p:nvCxnSpPr>
+        <p:spPr>
+          <a:xfrm flipV="1">
+            <a:off x="1846993" y="1548471"/>
+            <a:ext cx="903062" cy="340857"/>
+          </a:xfrm>
+          <a:prstGeom prst="straightConnector1">
+            <a:avLst/>
+          </a:prstGeom>
+          <a:ln w="38100">
+            <a:solidFill>
+              <a:schemeClr val="tx1"/>
+            </a:solidFill>
+            <a:tailEnd type="triangle"/>
+          </a:ln>
+        </p:spPr>
+        <p:style>
+          <a:lnRef idx="1">
+            <a:schemeClr val="accent1"/>
+          </a:lnRef>
+          <a:fillRef idx="0">
+            <a:schemeClr val="accent1"/>
+          </a:fillRef>
+          <a:effectRef idx="0">
+            <a:schemeClr val="accent1"/>
+          </a:effectRef>
+          <a:fontRef idx="minor">
+            <a:schemeClr val="tx1"/>
+          </a:fontRef>
+        </p:style>
+      </p:cxnSp>
+      <p:sp>
+        <p:nvSpPr>
+          <p:cNvPr id="56" name="ZoneTexte 55">
+            <a:extLst>
+              <a:ext uri="{FF2B5EF4-FFF2-40B4-BE49-F238E27FC236}">
+                <a16:creationId xmlns:a16="http://schemas.microsoft.com/office/drawing/2014/main" id="{34A47373-1B67-49B4-8680-5A04C9551AB7}"/>
+              </a:ext>
+            </a:extLst>
+          </p:cNvPr>
+          <p:cNvSpPr txBox="1"/>
+          <p:nvPr/>
+        </p:nvSpPr>
+        <p:spPr>
+          <a:xfrm>
+            <a:off x="564124" y="2452149"/>
+            <a:ext cx="1513676" cy="646331"/>
+          </a:xfrm>
+          <a:prstGeom prst="rect">
+            <a:avLst/>
+          </a:prstGeom>
+          <a:noFill/>
+        </p:spPr>
+        <p:txBody>
+          <a:bodyPr wrap="square" rtlCol="0">
+            <a:spAutoFit/>
+          </a:bodyPr>
+          <a:lstStyle/>
+          <a:p>
+            <a:r>
+              <a:rPr lang="fr-FR" dirty="0"/>
+              <a:t>Utilisateur de la supervision</a:t>
+            </a:r>
+          </a:p>
+        </p:txBody>
+      </p:sp>
+    </p:spTree>
+    <p:extLst>
+      <p:ext uri="{BB962C8B-B14F-4D97-AF65-F5344CB8AC3E}">
+        <p14:creationId xmlns:p14="http://schemas.microsoft.com/office/powerpoint/2010/main" val="1460868849"/>
       </p:ext>
     </p:extLst>
   </p:cSld>

--- a/Documentation/Sprint planning.pptx
+++ b/Documentation/Sprint planning.pptx
@@ -3408,7 +3408,7 @@
         <a:p>
           <a:r>
             <a:rPr lang="fr-FR" sz="2000" dirty="0"/>
-            <a:t>Durée : 4h</a:t>
+            <a:t>Durée : 8h</a:t>
           </a:r>
         </a:p>
       </dgm:t>
@@ -3444,7 +3444,7 @@
         <a:p>
           <a:r>
             <a:rPr lang="fr-FR" sz="2000" dirty="0"/>
-            <a:t>Durée : 18h</a:t>
+            <a:t>Durée : 28h</a:t>
           </a:r>
         </a:p>
       </dgm:t>
@@ -3480,7 +3480,7 @@
         <a:p>
           <a:r>
             <a:rPr lang="fr-FR" sz="2000" dirty="0"/>
-            <a:t>Durée : 6h</a:t>
+            <a:t>Durée : 20h</a:t>
           </a:r>
         </a:p>
       </dgm:t>
@@ -3516,7 +3516,7 @@
         <a:p>
           <a:r>
             <a:rPr lang="fr-FR" sz="2000" dirty="0"/>
-            <a:t>Durée : 4h</a:t>
+            <a:t>Durée : 8h</a:t>
           </a:r>
         </a:p>
       </dgm:t>
@@ -5140,7 +5140,7 @@
           </a:pPr>
           <a:r>
             <a:rPr lang="fr-FR" sz="2000" kern="1200" dirty="0"/>
-            <a:t>Durée : 4h</a:t>
+            <a:t>Durée : 8h</a:t>
           </a:r>
         </a:p>
       </dsp:txBody>
@@ -5296,7 +5296,7 @@
           </a:pPr>
           <a:r>
             <a:rPr lang="fr-FR" sz="2000" kern="1200" dirty="0"/>
-            <a:t>Durée : 18h</a:t>
+            <a:t>Durée : 28h</a:t>
           </a:r>
         </a:p>
       </dsp:txBody>
@@ -5452,7 +5452,7 @@
           </a:pPr>
           <a:r>
             <a:rPr lang="fr-FR" sz="2000" kern="1200" dirty="0"/>
-            <a:t>Durée : 6h</a:t>
+            <a:t>Durée : 20h</a:t>
           </a:r>
         </a:p>
       </dsp:txBody>
@@ -5608,7 +5608,7 @@
           </a:pPr>
           <a:r>
             <a:rPr lang="fr-FR" sz="2000" kern="1200" dirty="0"/>
-            <a:t>Durée : 4h</a:t>
+            <a:t>Durée : 8h</a:t>
           </a:r>
         </a:p>
       </dsp:txBody>
@@ -15354,7 +15354,7 @@
           <p:nvPr>
             <p:extLst>
               <p:ext uri="{D42A27DB-BD31-4B8C-83A1-F6EECF244321}">
-                <p14:modId xmlns:p14="http://schemas.microsoft.com/office/powerpoint/2010/main" val="3465823845"/>
+                <p14:modId xmlns:p14="http://schemas.microsoft.com/office/powerpoint/2010/main" val="651174650"/>
               </p:ext>
             </p:extLst>
           </p:nvPr>
@@ -15415,45 +15415,6 @@
           <a:p>
             <a:pPr algn="ctr"/>
             <a:endParaRPr lang="fr-FR"/>
-          </a:p>
-        </p:txBody>
-      </p:sp>
-      <p:sp>
-        <p:nvSpPr>
-          <p:cNvPr id="3" name="ZoneTexte 2">
-            <a:extLst>
-              <a:ext uri="{FF2B5EF4-FFF2-40B4-BE49-F238E27FC236}">
-                <a16:creationId xmlns:a16="http://schemas.microsoft.com/office/drawing/2014/main" id="{A6913FBB-E4E4-4A73-AE7B-6C01CF49263F}"/>
-              </a:ext>
-            </a:extLst>
-          </p:cNvPr>
-          <p:cNvSpPr txBox="1"/>
-          <p:nvPr/>
-        </p:nvSpPr>
-        <p:spPr>
-          <a:xfrm>
-            <a:off x="4625788" y="5656729"/>
-            <a:ext cx="3523130" cy="369332"/>
-          </a:xfrm>
-          <a:prstGeom prst="rect">
-            <a:avLst/>
-          </a:prstGeom>
-          <a:noFill/>
-        </p:spPr>
-        <p:txBody>
-          <a:bodyPr wrap="square" rtlCol="0">
-            <a:spAutoFit/>
-          </a:bodyPr>
-          <a:lstStyle/>
-          <a:p>
-            <a:r>
-              <a:rPr lang="fr-FR" dirty="0"/>
-              <a:t>A faire x2 car on est 2 dans l’</a:t>
-            </a:r>
-            <a:r>
-              <a:rPr lang="fr-FR"/>
-              <a:t>equipe</a:t>
-            </a:r>
           </a:p>
         </p:txBody>
       </p:sp>
